--- a/work_report/7.29工作汇报.pptx
+++ b/work_report/7.29工作汇报.pptx
@@ -157,7 +157,7 @@
               <c:strCache>
                 <c:ptCount val="1"/>
                 <c:pt idx="0">
-                  <c:v>Study</c:v>
+                  <c:v>CV</c:v>
                 </c:pt>
               </c:strCache>
             </c:strRef>
@@ -195,6 +195,61 @@
             <a:effectLst/>
           </c:spPr>
           <c:invertIfNegative val="0"/>
+          <c:dLbls>
+            <c:spPr>
+              <a:noFill/>
+              <a:ln>
+                <a:noFill/>
+              </a:ln>
+              <a:effectLst/>
+            </c:spPr>
+            <c:txPr>
+              <a:bodyPr rot="0" spcFirstLastPara="1" vertOverflow="ellipsis" vert="horz" wrap="square" lIns="38100" tIns="19050" rIns="38100" bIns="19050" anchor="ctr" anchorCtr="1">
+                <a:spAutoFit/>
+              </a:bodyPr>
+              <a:lstStyle/>
+              <a:p>
+                <a:pPr>
+                  <a:defRPr sz="900" b="0" i="0" u="none" strike="noStrike" kern="1200" baseline="0">
+                    <a:solidFill>
+                      <a:schemeClr val="tx2"/>
+                    </a:solidFill>
+                    <a:latin typeface="+mn-lt"/>
+                    <a:ea typeface="+mn-ea"/>
+                    <a:cs typeface="+mn-cs"/>
+                  </a:defRPr>
+                </a:pPr>
+                <a:endParaRPr lang="zh-CN"/>
+              </a:p>
+            </c:txPr>
+            <c:dLblPos val="outEnd"/>
+            <c:showLegendKey val="0"/>
+            <c:showVal val="1"/>
+            <c:showCatName val="0"/>
+            <c:showSerName val="0"/>
+            <c:showPercent val="0"/>
+            <c:showBubbleSize val="0"/>
+            <c:showLeaderLines val="0"/>
+            <c:extLst>
+              <c:ext xmlns:c15="http://schemas.microsoft.com/office/drawing/2012/chart" uri="{CE6537A1-D6FC-4f65-9D91-7224C49458BB}">
+                <c15:layout/>
+                <c15:showLeaderLines val="1"/>
+                <c15:leaderLines>
+                  <c:spPr>
+                    <a:ln w="9525">
+                      <a:solidFill>
+                        <a:schemeClr val="tx2">
+                          <a:lumMod val="35000"/>
+                          <a:lumOff val="65000"/>
+                        </a:schemeClr>
+                      </a:solidFill>
+                    </a:ln>
+                    <a:effectLst/>
+                  </c:spPr>
+                </c15:leaderLines>
+              </c:ext>
+            </c:extLst>
+          </c:dLbls>
           <c:cat>
             <c:strRef>
               <c:f>Sheet1!$B$6:$B$10</c:f>
@@ -244,7 +299,7 @@
           </c:val>
           <c:extLst>
             <c:ext xmlns:c16="http://schemas.microsoft.com/office/drawing/2014/chart" uri="{C3380CC4-5D6E-409C-BE32-E72D297353CC}">
-              <c16:uniqueId val="{00000000-E117-40E7-8231-DB44543CD9A4}"/>
+              <c16:uniqueId val="{00000000-B0FF-4D9F-A72B-A28B45D2C4BF}"/>
             </c:ext>
           </c:extLst>
         </c:ser>
@@ -295,6 +350,61 @@
             <a:effectLst/>
           </c:spPr>
           <c:invertIfNegative val="0"/>
+          <c:dLbls>
+            <c:spPr>
+              <a:noFill/>
+              <a:ln>
+                <a:noFill/>
+              </a:ln>
+              <a:effectLst/>
+            </c:spPr>
+            <c:txPr>
+              <a:bodyPr rot="0" spcFirstLastPara="1" vertOverflow="ellipsis" vert="horz" wrap="square" lIns="38100" tIns="19050" rIns="38100" bIns="19050" anchor="ctr" anchorCtr="1">
+                <a:spAutoFit/>
+              </a:bodyPr>
+              <a:lstStyle/>
+              <a:p>
+                <a:pPr>
+                  <a:defRPr sz="900" b="0" i="0" u="none" strike="noStrike" kern="1200" baseline="0">
+                    <a:solidFill>
+                      <a:schemeClr val="tx2"/>
+                    </a:solidFill>
+                    <a:latin typeface="+mn-lt"/>
+                    <a:ea typeface="+mn-ea"/>
+                    <a:cs typeface="+mn-cs"/>
+                  </a:defRPr>
+                </a:pPr>
+                <a:endParaRPr lang="zh-CN"/>
+              </a:p>
+            </c:txPr>
+            <c:dLblPos val="outEnd"/>
+            <c:showLegendKey val="0"/>
+            <c:showVal val="1"/>
+            <c:showCatName val="0"/>
+            <c:showSerName val="0"/>
+            <c:showPercent val="0"/>
+            <c:showBubbleSize val="0"/>
+            <c:showLeaderLines val="0"/>
+            <c:extLst>
+              <c:ext xmlns:c15="http://schemas.microsoft.com/office/drawing/2012/chart" uri="{CE6537A1-D6FC-4f65-9D91-7224C49458BB}">
+                <c15:layout/>
+                <c15:showLeaderLines val="1"/>
+                <c15:leaderLines>
+                  <c:spPr>
+                    <a:ln w="9525">
+                      <a:solidFill>
+                        <a:schemeClr val="tx2">
+                          <a:lumMod val="35000"/>
+                          <a:lumOff val="65000"/>
+                        </a:schemeClr>
+                      </a:solidFill>
+                    </a:ln>
+                    <a:effectLst/>
+                  </c:spPr>
+                </c15:leaderLines>
+              </c:ext>
+            </c:extLst>
+          </c:dLbls>
           <c:cat>
             <c:strRef>
               <c:f>Sheet1!$B$6:$B$10</c:f>
@@ -344,13 +454,14 @@
           </c:val>
           <c:extLst>
             <c:ext xmlns:c16="http://schemas.microsoft.com/office/drawing/2014/chart" uri="{C3380CC4-5D6E-409C-BE32-E72D297353CC}">
-              <c16:uniqueId val="{00000001-E117-40E7-8231-DB44543CD9A4}"/>
+              <c16:uniqueId val="{00000001-B0FF-4D9F-A72B-A28B45D2C4BF}"/>
             </c:ext>
           </c:extLst>
         </c:ser>
         <c:dLbls>
+          <c:dLblPos val="outEnd"/>
           <c:showLegendKey val="0"/>
-          <c:showVal val="0"/>
+          <c:showVal val="1"/>
           <c:showCatName val="0"/>
           <c:showSerName val="0"/>
           <c:showPercent val="0"/>
@@ -358,11 +469,11 @@
         </c:dLbls>
         <c:gapWidth val="100"/>
         <c:overlap val="-24"/>
-        <c:axId val="1928552959"/>
-        <c:axId val="1928554207"/>
+        <c:axId val="1926917951"/>
+        <c:axId val="1926918783"/>
       </c:barChart>
       <c:catAx>
-        <c:axId val="1928552959"/>
+        <c:axId val="1926917951"/>
         <c:scaling>
           <c:orientation val="minMax"/>
         </c:scaling>
@@ -402,7 +513,7 @@
             <a:endParaRPr lang="zh-CN"/>
           </a:p>
         </c:txPr>
-        <c:crossAx val="1928554207"/>
+        <c:crossAx val="1926918783"/>
         <c:crosses val="autoZero"/>
         <c:auto val="1"/>
         <c:lblAlgn val="ctr"/>
@@ -410,7 +521,7 @@
         <c:noMultiLvlLbl val="0"/>
       </c:catAx>
       <c:valAx>
-        <c:axId val="1928554207"/>
+        <c:axId val="1926918783"/>
         <c:scaling>
           <c:orientation val="minMax"/>
           <c:min val="0.5"/>
@@ -459,7 +570,7 @@
             <a:endParaRPr lang="zh-CN"/>
           </a:p>
         </c:txPr>
-        <c:crossAx val="1928552959"/>
+        <c:crossAx val="1926917951"/>
         <c:crosses val="autoZero"/>
         <c:crossBetween val="between"/>
       </c:valAx>
@@ -528,6 +639,517 @@
 </file>
 
 <file path=ppt/charts/chart2.xml><?xml version="1.0" encoding="utf-8"?>
+<c:chartSpace xmlns:c="http://schemas.openxmlformats.org/drawingml/2006/chart" xmlns:a="http://schemas.openxmlformats.org/drawingml/2006/main" xmlns:r="http://schemas.openxmlformats.org/officeDocument/2006/relationships" xmlns:c16r2="http://schemas.microsoft.com/office/drawing/2015/06/chart">
+  <c:date1904 val="0"/>
+  <c:lang val="zh-CN"/>
+  <c:roundedCorners val="0"/>
+  <mc:AlternateContent xmlns:mc="http://schemas.openxmlformats.org/markup-compatibility/2006">
+    <mc:Choice xmlns:c14="http://schemas.microsoft.com/office/drawing/2007/8/2/chart" Requires="c14">
+      <c14:style val="102"/>
+    </mc:Choice>
+    <mc:Fallback>
+      <c:style val="2"/>
+    </mc:Fallback>
+  </mc:AlternateContent>
+  <c:chart>
+    <c:autoTitleDeleted val="1"/>
+    <c:plotArea>
+      <c:layout/>
+      <c:barChart>
+        <c:barDir val="col"/>
+        <c:grouping val="clustered"/>
+        <c:varyColors val="0"/>
+        <c:ser>
+          <c:idx val="0"/>
+          <c:order val="0"/>
+          <c:tx>
+            <c:strRef>
+              <c:f>Sheet1!$I$53</c:f>
+              <c:strCache>
+                <c:ptCount val="1"/>
+                <c:pt idx="0">
+                  <c:v>LOSO</c:v>
+                </c:pt>
+              </c:strCache>
+            </c:strRef>
+          </c:tx>
+          <c:spPr>
+            <a:gradFill rotWithShape="1">
+              <a:gsLst>
+                <a:gs pos="0">
+                  <a:schemeClr val="accent1">
+                    <a:satMod val="103000"/>
+                    <a:lumMod val="102000"/>
+                    <a:tint val="94000"/>
+                  </a:schemeClr>
+                </a:gs>
+                <a:gs pos="50000">
+                  <a:schemeClr val="accent1">
+                    <a:satMod val="110000"/>
+                    <a:lumMod val="100000"/>
+                    <a:shade val="100000"/>
+                  </a:schemeClr>
+                </a:gs>
+                <a:gs pos="100000">
+                  <a:schemeClr val="accent1">
+                    <a:lumMod val="99000"/>
+                    <a:satMod val="120000"/>
+                    <a:shade val="78000"/>
+                  </a:schemeClr>
+                </a:gs>
+              </a:gsLst>
+              <a:lin ang="5400000" scaled="0"/>
+            </a:gradFill>
+            <a:ln>
+              <a:noFill/>
+            </a:ln>
+            <a:effectLst/>
+          </c:spPr>
+          <c:invertIfNegative val="0"/>
+          <c:dLbls>
+            <c:spPr>
+              <a:noFill/>
+              <a:ln>
+                <a:noFill/>
+              </a:ln>
+              <a:effectLst/>
+            </c:spPr>
+            <c:txPr>
+              <a:bodyPr rot="0" spcFirstLastPara="1" vertOverflow="ellipsis" vert="horz" wrap="square" lIns="38100" tIns="19050" rIns="38100" bIns="19050" anchor="ctr" anchorCtr="1">
+                <a:spAutoFit/>
+              </a:bodyPr>
+              <a:lstStyle/>
+              <a:p>
+                <a:pPr>
+                  <a:defRPr sz="900" b="0" i="0" u="none" strike="noStrike" kern="1200" baseline="0">
+                    <a:solidFill>
+                      <a:schemeClr val="tx2"/>
+                    </a:solidFill>
+                    <a:latin typeface="+mn-lt"/>
+                    <a:ea typeface="+mn-ea"/>
+                    <a:cs typeface="+mn-cs"/>
+                  </a:defRPr>
+                </a:pPr>
+                <a:endParaRPr lang="zh-CN"/>
+              </a:p>
+            </c:txPr>
+            <c:dLblPos val="outEnd"/>
+            <c:showLegendKey val="0"/>
+            <c:showVal val="1"/>
+            <c:showCatName val="0"/>
+            <c:showSerName val="0"/>
+            <c:showPercent val="0"/>
+            <c:showBubbleSize val="0"/>
+            <c:showLeaderLines val="0"/>
+            <c:extLst>
+              <c:ext xmlns:c15="http://schemas.microsoft.com/office/drawing/2012/chart" uri="{CE6537A1-D6FC-4f65-9D91-7224C49458BB}">
+                <c15:layout/>
+                <c15:showLeaderLines val="1"/>
+                <c15:leaderLines>
+                  <c:spPr>
+                    <a:ln w="9525">
+                      <a:solidFill>
+                        <a:schemeClr val="tx2">
+                          <a:lumMod val="35000"/>
+                          <a:lumOff val="65000"/>
+                        </a:schemeClr>
+                      </a:solidFill>
+                    </a:ln>
+                    <a:effectLst/>
+                  </c:spPr>
+                </c15:leaderLines>
+              </c:ext>
+            </c:extLst>
+          </c:dLbls>
+          <c:cat>
+            <c:strRef>
+              <c:f>Sheet1!$H$54:$H$58</c:f>
+              <c:strCache>
+                <c:ptCount val="5"/>
+                <c:pt idx="0">
+                  <c:v>FR-CRC</c:v>
+                </c:pt>
+                <c:pt idx="1">
+                  <c:v>AT-CRC</c:v>
+                </c:pt>
+                <c:pt idx="2">
+                  <c:v>CN-CRC</c:v>
+                </c:pt>
+                <c:pt idx="3">
+                  <c:v>US-CRC</c:v>
+                </c:pt>
+                <c:pt idx="4">
+                  <c:v>DE-CRC</c:v>
+                </c:pt>
+              </c:strCache>
+            </c:strRef>
+          </c:cat>
+          <c:val>
+            <c:numRef>
+              <c:f>Sheet1!$I$54:$I$58</c:f>
+              <c:numCache>
+                <c:formatCode>General</c:formatCode>
+                <c:ptCount val="5"/>
+                <c:pt idx="0">
+                  <c:v>0.82299999999999995</c:v>
+                </c:pt>
+                <c:pt idx="1">
+                  <c:v>0.84699999999999998</c:v>
+                </c:pt>
+                <c:pt idx="2">
+                  <c:v>0.84599999999999997</c:v>
+                </c:pt>
+                <c:pt idx="3">
+                  <c:v>0.71</c:v>
+                </c:pt>
+                <c:pt idx="4">
+                  <c:v>0.91100000000000003</c:v>
+                </c:pt>
+              </c:numCache>
+            </c:numRef>
+          </c:val>
+          <c:extLst>
+            <c:ext xmlns:c16="http://schemas.microsoft.com/office/drawing/2014/chart" uri="{C3380CC4-5D6E-409C-BE32-E72D297353CC}">
+              <c16:uniqueId val="{00000000-6BEC-4A68-A0EC-8CE7089B362C}"/>
+            </c:ext>
+          </c:extLst>
+        </c:ser>
+        <c:ser>
+          <c:idx val="1"/>
+          <c:order val="1"/>
+          <c:tx>
+            <c:strRef>
+              <c:f>Sheet1!$J$53</c:f>
+              <c:strCache>
+                <c:ptCount val="1"/>
+                <c:pt idx="0">
+                  <c:v>Average</c:v>
+                </c:pt>
+              </c:strCache>
+            </c:strRef>
+          </c:tx>
+          <c:spPr>
+            <a:gradFill rotWithShape="1">
+              <a:gsLst>
+                <a:gs pos="0">
+                  <a:schemeClr val="accent2">
+                    <a:satMod val="103000"/>
+                    <a:lumMod val="102000"/>
+                    <a:tint val="94000"/>
+                  </a:schemeClr>
+                </a:gs>
+                <a:gs pos="50000">
+                  <a:schemeClr val="accent2">
+                    <a:satMod val="110000"/>
+                    <a:lumMod val="100000"/>
+                    <a:shade val="100000"/>
+                  </a:schemeClr>
+                </a:gs>
+                <a:gs pos="100000">
+                  <a:schemeClr val="accent2">
+                    <a:lumMod val="99000"/>
+                    <a:satMod val="120000"/>
+                    <a:shade val="78000"/>
+                  </a:schemeClr>
+                </a:gs>
+              </a:gsLst>
+              <a:lin ang="5400000" scaled="0"/>
+            </a:gradFill>
+            <a:ln>
+              <a:noFill/>
+            </a:ln>
+            <a:effectLst/>
+          </c:spPr>
+          <c:invertIfNegative val="0"/>
+          <c:dLbls>
+            <c:spPr>
+              <a:noFill/>
+              <a:ln>
+                <a:noFill/>
+              </a:ln>
+              <a:effectLst/>
+            </c:spPr>
+            <c:txPr>
+              <a:bodyPr rot="0" spcFirstLastPara="1" vertOverflow="ellipsis" vert="horz" wrap="square" lIns="38100" tIns="19050" rIns="38100" bIns="19050" anchor="ctr" anchorCtr="1">
+                <a:spAutoFit/>
+              </a:bodyPr>
+              <a:lstStyle/>
+              <a:p>
+                <a:pPr>
+                  <a:defRPr sz="900" b="0" i="0" u="none" strike="noStrike" kern="1200" baseline="0">
+                    <a:solidFill>
+                      <a:schemeClr val="tx2"/>
+                    </a:solidFill>
+                    <a:latin typeface="+mn-lt"/>
+                    <a:ea typeface="+mn-ea"/>
+                    <a:cs typeface="+mn-cs"/>
+                  </a:defRPr>
+                </a:pPr>
+                <a:endParaRPr lang="zh-CN"/>
+              </a:p>
+            </c:txPr>
+            <c:dLblPos val="outEnd"/>
+            <c:showLegendKey val="0"/>
+            <c:showVal val="1"/>
+            <c:showCatName val="0"/>
+            <c:showSerName val="0"/>
+            <c:showPercent val="0"/>
+            <c:showBubbleSize val="0"/>
+            <c:showLeaderLines val="0"/>
+            <c:extLst>
+              <c:ext xmlns:c15="http://schemas.microsoft.com/office/drawing/2012/chart" uri="{CE6537A1-D6FC-4f65-9D91-7224C49458BB}">
+                <c15:layout/>
+                <c15:showLeaderLines val="1"/>
+                <c15:leaderLines>
+                  <c:spPr>
+                    <a:ln w="9525">
+                      <a:solidFill>
+                        <a:schemeClr val="tx2">
+                          <a:lumMod val="35000"/>
+                          <a:lumOff val="65000"/>
+                        </a:schemeClr>
+                      </a:solidFill>
+                    </a:ln>
+                    <a:effectLst/>
+                  </c:spPr>
+                </c15:leaderLines>
+              </c:ext>
+            </c:extLst>
+          </c:dLbls>
+          <c:cat>
+            <c:strRef>
+              <c:f>Sheet1!$H$54:$H$58</c:f>
+              <c:strCache>
+                <c:ptCount val="5"/>
+                <c:pt idx="0">
+                  <c:v>FR-CRC</c:v>
+                </c:pt>
+                <c:pt idx="1">
+                  <c:v>AT-CRC</c:v>
+                </c:pt>
+                <c:pt idx="2">
+                  <c:v>CN-CRC</c:v>
+                </c:pt>
+                <c:pt idx="3">
+                  <c:v>US-CRC</c:v>
+                </c:pt>
+                <c:pt idx="4">
+                  <c:v>DE-CRC</c:v>
+                </c:pt>
+              </c:strCache>
+            </c:strRef>
+          </c:cat>
+          <c:val>
+            <c:numRef>
+              <c:f>Sheet1!$J$54:$J$58</c:f>
+              <c:numCache>
+                <c:formatCode>General</c:formatCode>
+                <c:ptCount val="5"/>
+                <c:pt idx="0">
+                  <c:v>0.76</c:v>
+                </c:pt>
+                <c:pt idx="1">
+                  <c:v>0.77</c:v>
+                </c:pt>
+                <c:pt idx="2">
+                  <c:v>0.79</c:v>
+                </c:pt>
+                <c:pt idx="3">
+                  <c:v>0.66</c:v>
+                </c:pt>
+                <c:pt idx="4">
+                  <c:v>0.77</c:v>
+                </c:pt>
+              </c:numCache>
+            </c:numRef>
+          </c:val>
+          <c:extLst>
+            <c:ext xmlns:c16="http://schemas.microsoft.com/office/drawing/2014/chart" uri="{C3380CC4-5D6E-409C-BE32-E72D297353CC}">
+              <c16:uniqueId val="{00000001-6BEC-4A68-A0EC-8CE7089B362C}"/>
+            </c:ext>
+          </c:extLst>
+        </c:ser>
+        <c:dLbls>
+          <c:dLblPos val="outEnd"/>
+          <c:showLegendKey val="0"/>
+          <c:showVal val="1"/>
+          <c:showCatName val="0"/>
+          <c:showSerName val="0"/>
+          <c:showPercent val="0"/>
+          <c:showBubbleSize val="0"/>
+        </c:dLbls>
+        <c:gapWidth val="100"/>
+        <c:overlap val="-24"/>
+        <c:axId val="2008626255"/>
+        <c:axId val="2008628751"/>
+      </c:barChart>
+      <c:catAx>
+        <c:axId val="2008626255"/>
+        <c:scaling>
+          <c:orientation val="minMax"/>
+        </c:scaling>
+        <c:delete val="0"/>
+        <c:axPos val="b"/>
+        <c:numFmt formatCode="General" sourceLinked="1"/>
+        <c:majorTickMark val="none"/>
+        <c:minorTickMark val="none"/>
+        <c:tickLblPos val="nextTo"/>
+        <c:spPr>
+          <a:noFill/>
+          <a:ln w="9525" cap="flat" cmpd="sng" algn="ctr">
+            <a:solidFill>
+              <a:schemeClr val="tx2">
+                <a:lumMod val="15000"/>
+                <a:lumOff val="85000"/>
+              </a:schemeClr>
+            </a:solidFill>
+            <a:round/>
+          </a:ln>
+          <a:effectLst/>
+        </c:spPr>
+        <c:txPr>
+          <a:bodyPr rot="-60000000" spcFirstLastPara="1" vertOverflow="ellipsis" vert="horz" wrap="square" anchor="ctr" anchorCtr="1"/>
+          <a:lstStyle/>
+          <a:p>
+            <a:pPr>
+              <a:defRPr sz="900" b="0" i="0" u="none" strike="noStrike" kern="1200" baseline="0">
+                <a:solidFill>
+                  <a:schemeClr val="tx2"/>
+                </a:solidFill>
+                <a:latin typeface="+mn-lt"/>
+                <a:ea typeface="+mn-ea"/>
+                <a:cs typeface="+mn-cs"/>
+              </a:defRPr>
+            </a:pPr>
+            <a:endParaRPr lang="zh-CN"/>
+          </a:p>
+        </c:txPr>
+        <c:crossAx val="2008628751"/>
+        <c:crosses val="autoZero"/>
+        <c:auto val="1"/>
+        <c:lblAlgn val="ctr"/>
+        <c:lblOffset val="100"/>
+        <c:noMultiLvlLbl val="0"/>
+      </c:catAx>
+      <c:valAx>
+        <c:axId val="2008628751"/>
+        <c:scaling>
+          <c:orientation val="minMax"/>
+          <c:min val="0.5"/>
+        </c:scaling>
+        <c:delete val="0"/>
+        <c:axPos val="l"/>
+        <c:majorGridlines>
+          <c:spPr>
+            <a:ln w="9525" cap="flat" cmpd="sng" algn="ctr">
+              <a:solidFill>
+                <a:schemeClr val="tx2">
+                  <a:lumMod val="15000"/>
+                  <a:lumOff val="85000"/>
+                </a:schemeClr>
+              </a:solidFill>
+              <a:round/>
+            </a:ln>
+            <a:effectLst/>
+          </c:spPr>
+        </c:majorGridlines>
+        <c:numFmt formatCode="General" sourceLinked="1"/>
+        <c:majorTickMark val="none"/>
+        <c:minorTickMark val="none"/>
+        <c:tickLblPos val="nextTo"/>
+        <c:spPr>
+          <a:noFill/>
+          <a:ln>
+            <a:noFill/>
+          </a:ln>
+          <a:effectLst/>
+        </c:spPr>
+        <c:txPr>
+          <a:bodyPr rot="-60000000" spcFirstLastPara="1" vertOverflow="ellipsis" vert="horz" wrap="square" anchor="ctr" anchorCtr="1"/>
+          <a:lstStyle/>
+          <a:p>
+            <a:pPr>
+              <a:defRPr sz="900" b="0" i="0" u="none" strike="noStrike" kern="1200" baseline="0">
+                <a:solidFill>
+                  <a:schemeClr val="tx2"/>
+                </a:solidFill>
+                <a:latin typeface="+mn-lt"/>
+                <a:ea typeface="+mn-ea"/>
+                <a:cs typeface="+mn-cs"/>
+              </a:defRPr>
+            </a:pPr>
+            <a:endParaRPr lang="zh-CN"/>
+          </a:p>
+        </c:txPr>
+        <c:crossAx val="2008626255"/>
+        <c:crosses val="autoZero"/>
+        <c:crossBetween val="between"/>
+      </c:valAx>
+      <c:spPr>
+        <a:noFill/>
+        <a:ln>
+          <a:noFill/>
+        </a:ln>
+        <a:effectLst/>
+      </c:spPr>
+    </c:plotArea>
+    <c:legend>
+      <c:legendPos val="b"/>
+      <c:layout/>
+      <c:overlay val="0"/>
+      <c:spPr>
+        <a:noFill/>
+        <a:ln>
+          <a:noFill/>
+        </a:ln>
+        <a:effectLst/>
+      </c:spPr>
+      <c:txPr>
+        <a:bodyPr rot="0" spcFirstLastPara="1" vertOverflow="ellipsis" vert="horz" wrap="square" anchor="ctr" anchorCtr="1"/>
+        <a:lstStyle/>
+        <a:p>
+          <a:pPr>
+            <a:defRPr sz="900" b="0" i="0" u="none" strike="noStrike" kern="1200" baseline="0">
+              <a:solidFill>
+                <a:schemeClr val="tx2"/>
+              </a:solidFill>
+              <a:latin typeface="+mn-lt"/>
+              <a:ea typeface="+mn-ea"/>
+              <a:cs typeface="+mn-cs"/>
+            </a:defRPr>
+          </a:pPr>
+          <a:endParaRPr lang="zh-CN"/>
+        </a:p>
+      </c:txPr>
+    </c:legend>
+    <c:plotVisOnly val="1"/>
+    <c:dispBlanksAs val="gap"/>
+    <c:showDLblsOverMax val="0"/>
+  </c:chart>
+  <c:spPr>
+    <a:noFill/>
+    <a:ln>
+      <a:noFill/>
+    </a:ln>
+    <a:effectLst/>
+  </c:spPr>
+  <c:txPr>
+    <a:bodyPr/>
+    <a:lstStyle/>
+    <a:p>
+      <a:pPr>
+        <a:defRPr/>
+      </a:pPr>
+      <a:endParaRPr lang="zh-CN"/>
+    </a:p>
+  </c:txPr>
+  <c:externalData r:id="rId3">
+    <c:autoUpdate val="0"/>
+  </c:externalData>
+</c:chartSpace>
+</file>
+
+<file path=ppt/charts/chart3.xml><?xml version="1.0" encoding="utf-8"?>
 <c:chartSpace xmlns:c="http://schemas.openxmlformats.org/drawingml/2006/chart" xmlns:a="http://schemas.openxmlformats.org/drawingml/2006/main" xmlns:r="http://schemas.openxmlformats.org/officeDocument/2006/relationships" xmlns:c16r2="http://schemas.microsoft.com/office/drawing/2015/06/chart">
   <c:date1904 val="0"/>
   <c:lang val="zh-CN"/>
@@ -1038,7 +1660,7 @@
 </c:chartSpace>
 </file>
 
-<file path=ppt/charts/chart3.xml><?xml version="1.0" encoding="utf-8"?>
+<file path=ppt/charts/chart4.xml><?xml version="1.0" encoding="utf-8"?>
 <c:chartSpace xmlns:c="http://schemas.openxmlformats.org/drawingml/2006/chart" xmlns:a="http://schemas.openxmlformats.org/drawingml/2006/main" xmlns:r="http://schemas.openxmlformats.org/officeDocument/2006/relationships" xmlns:c16r2="http://schemas.microsoft.com/office/drawing/2015/06/chart">
   <c:date1904 val="0"/>
   <c:lang val="zh-CN"/>
@@ -1549,7 +2171,7 @@
 </c:chartSpace>
 </file>
 
-<file path=ppt/charts/chart4.xml><?xml version="1.0" encoding="utf-8"?>
+<file path=ppt/charts/chart5.xml><?xml version="1.0" encoding="utf-8"?>
 <c:chartSpace xmlns:c="http://schemas.openxmlformats.org/drawingml/2006/chart" xmlns:a="http://schemas.openxmlformats.org/drawingml/2006/main" xmlns:r="http://schemas.openxmlformats.org/officeDocument/2006/relationships" xmlns:c16r2="http://schemas.microsoft.com/office/drawing/2015/06/chart">
   <c:date1904 val="0"/>
   <c:lang val="zh-CN"/>
@@ -2060,7 +2682,7 @@
 </c:chartSpace>
 </file>
 
-<file path=ppt/charts/chart5.xml><?xml version="1.0" encoding="utf-8"?>
+<file path=ppt/charts/chart6.xml><?xml version="1.0" encoding="utf-8"?>
 <c:chartSpace xmlns:c="http://schemas.openxmlformats.org/drawingml/2006/chart" xmlns:a="http://schemas.openxmlformats.org/drawingml/2006/main" xmlns:r="http://schemas.openxmlformats.org/officeDocument/2006/relationships" xmlns:c16r2="http://schemas.microsoft.com/office/drawing/2015/06/chart">
   <c:date1904 val="0"/>
   <c:lang val="zh-CN"/>
@@ -2571,7 +3193,7 @@
 </c:chartSpace>
 </file>
 
-<file path=ppt/charts/chart6.xml><?xml version="1.0" encoding="utf-8"?>
+<file path=ppt/charts/chart7.xml><?xml version="1.0" encoding="utf-8"?>
 <c:chartSpace xmlns:c="http://schemas.openxmlformats.org/drawingml/2006/chart" xmlns:a="http://schemas.openxmlformats.org/drawingml/2006/main" xmlns:r="http://schemas.openxmlformats.org/officeDocument/2006/relationships" xmlns:c16r2="http://schemas.microsoft.com/office/drawing/2015/06/chart">
   <c:date1904 val="0"/>
   <c:lang val="zh-CN"/>
@@ -3026,6 +3648,1028 @@
           </a:p>
         </c:txPr>
         <c:crossAx val="2008637071"/>
+        <c:crosses val="autoZero"/>
+        <c:crossBetween val="between"/>
+      </c:valAx>
+      <c:spPr>
+        <a:noFill/>
+        <a:ln>
+          <a:noFill/>
+        </a:ln>
+        <a:effectLst/>
+      </c:spPr>
+    </c:plotArea>
+    <c:legend>
+      <c:legendPos val="b"/>
+      <c:layout/>
+      <c:overlay val="0"/>
+      <c:spPr>
+        <a:noFill/>
+        <a:ln>
+          <a:noFill/>
+        </a:ln>
+        <a:effectLst/>
+      </c:spPr>
+      <c:txPr>
+        <a:bodyPr rot="0" spcFirstLastPara="1" vertOverflow="ellipsis" vert="horz" wrap="square" anchor="ctr" anchorCtr="1"/>
+        <a:lstStyle/>
+        <a:p>
+          <a:pPr>
+            <a:defRPr sz="900" b="0" i="0" u="none" strike="noStrike" kern="1200" baseline="0">
+              <a:solidFill>
+                <a:schemeClr val="tx2"/>
+              </a:solidFill>
+              <a:latin typeface="+mn-lt"/>
+              <a:ea typeface="+mn-ea"/>
+              <a:cs typeface="+mn-cs"/>
+            </a:defRPr>
+          </a:pPr>
+          <a:endParaRPr lang="zh-CN"/>
+        </a:p>
+      </c:txPr>
+    </c:legend>
+    <c:plotVisOnly val="1"/>
+    <c:dispBlanksAs val="gap"/>
+    <c:showDLblsOverMax val="0"/>
+  </c:chart>
+  <c:spPr>
+    <a:noFill/>
+    <a:ln>
+      <a:noFill/>
+    </a:ln>
+    <a:effectLst/>
+  </c:spPr>
+  <c:txPr>
+    <a:bodyPr/>
+    <a:lstStyle/>
+    <a:p>
+      <a:pPr>
+        <a:defRPr/>
+      </a:pPr>
+      <a:endParaRPr lang="zh-CN"/>
+    </a:p>
+  </c:txPr>
+  <c:externalData r:id="rId3">
+    <c:autoUpdate val="0"/>
+  </c:externalData>
+</c:chartSpace>
+</file>
+
+<file path=ppt/charts/chart8.xml><?xml version="1.0" encoding="utf-8"?>
+<c:chartSpace xmlns:c="http://schemas.openxmlformats.org/drawingml/2006/chart" xmlns:a="http://schemas.openxmlformats.org/drawingml/2006/main" xmlns:r="http://schemas.openxmlformats.org/officeDocument/2006/relationships" xmlns:c16r2="http://schemas.microsoft.com/office/drawing/2015/06/chart">
+  <c:date1904 val="0"/>
+  <c:lang val="zh-CN"/>
+  <c:roundedCorners val="0"/>
+  <mc:AlternateContent xmlns:mc="http://schemas.openxmlformats.org/markup-compatibility/2006">
+    <mc:Choice xmlns:c14="http://schemas.microsoft.com/office/drawing/2007/8/2/chart" Requires="c14">
+      <c14:style val="102"/>
+    </mc:Choice>
+    <mc:Fallback>
+      <c:style val="2"/>
+    </mc:Fallback>
+  </mc:AlternateContent>
+  <c:chart>
+    <c:autoTitleDeleted val="1"/>
+    <c:plotArea>
+      <c:layout/>
+      <c:barChart>
+        <c:barDir val="col"/>
+        <c:grouping val="clustered"/>
+        <c:varyColors val="0"/>
+        <c:ser>
+          <c:idx val="0"/>
+          <c:order val="0"/>
+          <c:tx>
+            <c:strRef>
+              <c:f>Sheet1!$K$69</c:f>
+              <c:strCache>
+                <c:ptCount val="1"/>
+                <c:pt idx="0">
+                  <c:v>LOSO</c:v>
+                </c:pt>
+              </c:strCache>
+            </c:strRef>
+          </c:tx>
+          <c:spPr>
+            <a:gradFill rotWithShape="1">
+              <a:gsLst>
+                <a:gs pos="0">
+                  <a:schemeClr val="accent1">
+                    <a:satMod val="103000"/>
+                    <a:lumMod val="102000"/>
+                    <a:tint val="94000"/>
+                  </a:schemeClr>
+                </a:gs>
+                <a:gs pos="50000">
+                  <a:schemeClr val="accent1">
+                    <a:satMod val="110000"/>
+                    <a:lumMod val="100000"/>
+                    <a:shade val="100000"/>
+                  </a:schemeClr>
+                </a:gs>
+                <a:gs pos="100000">
+                  <a:schemeClr val="accent1">
+                    <a:lumMod val="99000"/>
+                    <a:satMod val="120000"/>
+                    <a:shade val="78000"/>
+                  </a:schemeClr>
+                </a:gs>
+              </a:gsLst>
+              <a:lin ang="5400000" scaled="0"/>
+            </a:gradFill>
+            <a:ln>
+              <a:noFill/>
+            </a:ln>
+            <a:effectLst/>
+          </c:spPr>
+          <c:invertIfNegative val="0"/>
+          <c:dLbls>
+            <c:spPr>
+              <a:noFill/>
+              <a:ln>
+                <a:noFill/>
+              </a:ln>
+              <a:effectLst/>
+            </c:spPr>
+            <c:txPr>
+              <a:bodyPr rot="0" spcFirstLastPara="1" vertOverflow="ellipsis" vert="horz" wrap="square" lIns="38100" tIns="19050" rIns="38100" bIns="19050" anchor="ctr" anchorCtr="1">
+                <a:spAutoFit/>
+              </a:bodyPr>
+              <a:lstStyle/>
+              <a:p>
+                <a:pPr>
+                  <a:defRPr sz="900" b="0" i="0" u="none" strike="noStrike" kern="1200" baseline="0">
+                    <a:solidFill>
+                      <a:schemeClr val="tx2"/>
+                    </a:solidFill>
+                    <a:latin typeface="+mn-lt"/>
+                    <a:ea typeface="+mn-ea"/>
+                    <a:cs typeface="+mn-cs"/>
+                  </a:defRPr>
+                </a:pPr>
+                <a:endParaRPr lang="zh-CN"/>
+              </a:p>
+            </c:txPr>
+            <c:dLblPos val="outEnd"/>
+            <c:showLegendKey val="0"/>
+            <c:showVal val="1"/>
+            <c:showCatName val="0"/>
+            <c:showSerName val="0"/>
+            <c:showPercent val="0"/>
+            <c:showBubbleSize val="0"/>
+            <c:showLeaderLines val="0"/>
+            <c:extLst>
+              <c:ext xmlns:c15="http://schemas.microsoft.com/office/drawing/2012/chart" uri="{CE6537A1-D6FC-4f65-9D91-7224C49458BB}">
+                <c15:layout/>
+                <c15:showLeaderLines val="1"/>
+                <c15:leaderLines>
+                  <c:spPr>
+                    <a:ln w="9525">
+                      <a:solidFill>
+                        <a:schemeClr val="tx2">
+                          <a:lumMod val="35000"/>
+                          <a:lumOff val="65000"/>
+                        </a:schemeClr>
+                      </a:solidFill>
+                    </a:ln>
+                    <a:effectLst/>
+                  </c:spPr>
+                </c15:leaderLines>
+              </c:ext>
+            </c:extLst>
+          </c:dLbls>
+          <c:cat>
+            <c:strRef>
+              <c:f>Sheet1!$J$70:$J$74</c:f>
+              <c:strCache>
+                <c:ptCount val="5"/>
+                <c:pt idx="0">
+                  <c:v>FR-CRC</c:v>
+                </c:pt>
+                <c:pt idx="1">
+                  <c:v>AT-CRC</c:v>
+                </c:pt>
+                <c:pt idx="2">
+                  <c:v>CN-CRC</c:v>
+                </c:pt>
+                <c:pt idx="3">
+                  <c:v>US-CRC</c:v>
+                </c:pt>
+                <c:pt idx="4">
+                  <c:v>DE-CRC</c:v>
+                </c:pt>
+              </c:strCache>
+            </c:strRef>
+          </c:cat>
+          <c:val>
+            <c:numRef>
+              <c:f>Sheet1!$K$70:$K$74</c:f>
+              <c:numCache>
+                <c:formatCode>General</c:formatCode>
+                <c:ptCount val="5"/>
+                <c:pt idx="0">
+                  <c:v>0.82299999999999995</c:v>
+                </c:pt>
+                <c:pt idx="1">
+                  <c:v>0.84699999999999998</c:v>
+                </c:pt>
+                <c:pt idx="2">
+                  <c:v>0.84599999999999997</c:v>
+                </c:pt>
+                <c:pt idx="3">
+                  <c:v>0.71</c:v>
+                </c:pt>
+                <c:pt idx="4">
+                  <c:v>0.91100000000000003</c:v>
+                </c:pt>
+              </c:numCache>
+            </c:numRef>
+          </c:val>
+          <c:extLst>
+            <c:ext xmlns:c16="http://schemas.microsoft.com/office/drawing/2014/chart" uri="{C3380CC4-5D6E-409C-BE32-E72D297353CC}">
+              <c16:uniqueId val="{00000000-ACBE-45FC-850D-22A69659BA6C}"/>
+            </c:ext>
+          </c:extLst>
+        </c:ser>
+        <c:ser>
+          <c:idx val="1"/>
+          <c:order val="1"/>
+          <c:tx>
+            <c:strRef>
+              <c:f>Sheet1!$L$69</c:f>
+              <c:strCache>
+                <c:ptCount val="1"/>
+                <c:pt idx="0">
+                  <c:v>Average</c:v>
+                </c:pt>
+              </c:strCache>
+            </c:strRef>
+          </c:tx>
+          <c:spPr>
+            <a:gradFill rotWithShape="1">
+              <a:gsLst>
+                <a:gs pos="0">
+                  <a:schemeClr val="accent2">
+                    <a:satMod val="103000"/>
+                    <a:lumMod val="102000"/>
+                    <a:tint val="94000"/>
+                  </a:schemeClr>
+                </a:gs>
+                <a:gs pos="50000">
+                  <a:schemeClr val="accent2">
+                    <a:satMod val="110000"/>
+                    <a:lumMod val="100000"/>
+                    <a:shade val="100000"/>
+                  </a:schemeClr>
+                </a:gs>
+                <a:gs pos="100000">
+                  <a:schemeClr val="accent2">
+                    <a:lumMod val="99000"/>
+                    <a:satMod val="120000"/>
+                    <a:shade val="78000"/>
+                  </a:schemeClr>
+                </a:gs>
+              </a:gsLst>
+              <a:lin ang="5400000" scaled="0"/>
+            </a:gradFill>
+            <a:ln>
+              <a:noFill/>
+            </a:ln>
+            <a:effectLst/>
+          </c:spPr>
+          <c:invertIfNegative val="0"/>
+          <c:dLbls>
+            <c:spPr>
+              <a:noFill/>
+              <a:ln>
+                <a:noFill/>
+              </a:ln>
+              <a:effectLst/>
+            </c:spPr>
+            <c:txPr>
+              <a:bodyPr rot="0" spcFirstLastPara="1" vertOverflow="ellipsis" vert="horz" wrap="square" lIns="38100" tIns="19050" rIns="38100" bIns="19050" anchor="ctr" anchorCtr="1">
+                <a:spAutoFit/>
+              </a:bodyPr>
+              <a:lstStyle/>
+              <a:p>
+                <a:pPr>
+                  <a:defRPr sz="900" b="0" i="0" u="none" strike="noStrike" kern="1200" baseline="0">
+                    <a:solidFill>
+                      <a:schemeClr val="tx2"/>
+                    </a:solidFill>
+                    <a:latin typeface="+mn-lt"/>
+                    <a:ea typeface="+mn-ea"/>
+                    <a:cs typeface="+mn-cs"/>
+                  </a:defRPr>
+                </a:pPr>
+                <a:endParaRPr lang="zh-CN"/>
+              </a:p>
+            </c:txPr>
+            <c:dLblPos val="outEnd"/>
+            <c:showLegendKey val="0"/>
+            <c:showVal val="1"/>
+            <c:showCatName val="0"/>
+            <c:showSerName val="0"/>
+            <c:showPercent val="0"/>
+            <c:showBubbleSize val="0"/>
+            <c:showLeaderLines val="0"/>
+            <c:extLst>
+              <c:ext xmlns:c15="http://schemas.microsoft.com/office/drawing/2012/chart" uri="{CE6537A1-D6FC-4f65-9D91-7224C49458BB}">
+                <c15:layout/>
+                <c15:showLeaderLines val="1"/>
+                <c15:leaderLines>
+                  <c:spPr>
+                    <a:ln w="9525">
+                      <a:solidFill>
+                        <a:schemeClr val="tx2">
+                          <a:lumMod val="35000"/>
+                          <a:lumOff val="65000"/>
+                        </a:schemeClr>
+                      </a:solidFill>
+                    </a:ln>
+                    <a:effectLst/>
+                  </c:spPr>
+                </c15:leaderLines>
+              </c:ext>
+            </c:extLst>
+          </c:dLbls>
+          <c:cat>
+            <c:strRef>
+              <c:f>Sheet1!$J$70:$J$74</c:f>
+              <c:strCache>
+                <c:ptCount val="5"/>
+                <c:pt idx="0">
+                  <c:v>FR-CRC</c:v>
+                </c:pt>
+                <c:pt idx="1">
+                  <c:v>AT-CRC</c:v>
+                </c:pt>
+                <c:pt idx="2">
+                  <c:v>CN-CRC</c:v>
+                </c:pt>
+                <c:pt idx="3">
+                  <c:v>US-CRC</c:v>
+                </c:pt>
+                <c:pt idx="4">
+                  <c:v>DE-CRC</c:v>
+                </c:pt>
+              </c:strCache>
+            </c:strRef>
+          </c:cat>
+          <c:val>
+            <c:numRef>
+              <c:f>Sheet1!$L$70:$L$74</c:f>
+              <c:numCache>
+                <c:formatCode>General</c:formatCode>
+                <c:ptCount val="5"/>
+                <c:pt idx="0">
+                  <c:v>0.76</c:v>
+                </c:pt>
+                <c:pt idx="1">
+                  <c:v>0.77</c:v>
+                </c:pt>
+                <c:pt idx="2">
+                  <c:v>0.79</c:v>
+                </c:pt>
+                <c:pt idx="3">
+                  <c:v>0.66</c:v>
+                </c:pt>
+                <c:pt idx="4">
+                  <c:v>0.76</c:v>
+                </c:pt>
+              </c:numCache>
+            </c:numRef>
+          </c:val>
+          <c:extLst>
+            <c:ext xmlns:c16="http://schemas.microsoft.com/office/drawing/2014/chart" uri="{C3380CC4-5D6E-409C-BE32-E72D297353CC}">
+              <c16:uniqueId val="{00000001-ACBE-45FC-850D-22A69659BA6C}"/>
+            </c:ext>
+          </c:extLst>
+        </c:ser>
+        <c:dLbls>
+          <c:dLblPos val="outEnd"/>
+          <c:showLegendKey val="0"/>
+          <c:showVal val="1"/>
+          <c:showCatName val="0"/>
+          <c:showSerName val="0"/>
+          <c:showPercent val="0"/>
+          <c:showBubbleSize val="0"/>
+        </c:dLbls>
+        <c:gapWidth val="100"/>
+        <c:overlap val="-24"/>
+        <c:axId val="2003385983"/>
+        <c:axId val="2003379327"/>
+      </c:barChart>
+      <c:catAx>
+        <c:axId val="2003385983"/>
+        <c:scaling>
+          <c:orientation val="minMax"/>
+        </c:scaling>
+        <c:delete val="0"/>
+        <c:axPos val="b"/>
+        <c:numFmt formatCode="General" sourceLinked="1"/>
+        <c:majorTickMark val="none"/>
+        <c:minorTickMark val="none"/>
+        <c:tickLblPos val="nextTo"/>
+        <c:spPr>
+          <a:noFill/>
+          <a:ln w="9525" cap="flat" cmpd="sng" algn="ctr">
+            <a:solidFill>
+              <a:schemeClr val="tx2">
+                <a:lumMod val="15000"/>
+                <a:lumOff val="85000"/>
+              </a:schemeClr>
+            </a:solidFill>
+            <a:round/>
+          </a:ln>
+          <a:effectLst/>
+        </c:spPr>
+        <c:txPr>
+          <a:bodyPr rot="-60000000" spcFirstLastPara="1" vertOverflow="ellipsis" vert="horz" wrap="square" anchor="ctr" anchorCtr="1"/>
+          <a:lstStyle/>
+          <a:p>
+            <a:pPr>
+              <a:defRPr sz="900" b="0" i="0" u="none" strike="noStrike" kern="1200" baseline="0">
+                <a:solidFill>
+                  <a:schemeClr val="tx2"/>
+                </a:solidFill>
+                <a:latin typeface="+mn-lt"/>
+                <a:ea typeface="+mn-ea"/>
+                <a:cs typeface="+mn-cs"/>
+              </a:defRPr>
+            </a:pPr>
+            <a:endParaRPr lang="zh-CN"/>
+          </a:p>
+        </c:txPr>
+        <c:crossAx val="2003379327"/>
+        <c:crosses val="autoZero"/>
+        <c:auto val="1"/>
+        <c:lblAlgn val="ctr"/>
+        <c:lblOffset val="100"/>
+        <c:noMultiLvlLbl val="0"/>
+      </c:catAx>
+      <c:valAx>
+        <c:axId val="2003379327"/>
+        <c:scaling>
+          <c:orientation val="minMax"/>
+          <c:min val="0.5"/>
+        </c:scaling>
+        <c:delete val="0"/>
+        <c:axPos val="l"/>
+        <c:majorGridlines>
+          <c:spPr>
+            <a:ln w="9525" cap="flat" cmpd="sng" algn="ctr">
+              <a:solidFill>
+                <a:schemeClr val="tx2">
+                  <a:lumMod val="15000"/>
+                  <a:lumOff val="85000"/>
+                </a:schemeClr>
+              </a:solidFill>
+              <a:round/>
+            </a:ln>
+            <a:effectLst/>
+          </c:spPr>
+        </c:majorGridlines>
+        <c:numFmt formatCode="General" sourceLinked="1"/>
+        <c:majorTickMark val="none"/>
+        <c:minorTickMark val="none"/>
+        <c:tickLblPos val="nextTo"/>
+        <c:spPr>
+          <a:noFill/>
+          <a:ln>
+            <a:noFill/>
+          </a:ln>
+          <a:effectLst/>
+        </c:spPr>
+        <c:txPr>
+          <a:bodyPr rot="-60000000" spcFirstLastPara="1" vertOverflow="ellipsis" vert="horz" wrap="square" anchor="ctr" anchorCtr="1"/>
+          <a:lstStyle/>
+          <a:p>
+            <a:pPr>
+              <a:defRPr sz="900" b="0" i="0" u="none" strike="noStrike" kern="1200" baseline="0">
+                <a:solidFill>
+                  <a:schemeClr val="tx2"/>
+                </a:solidFill>
+                <a:latin typeface="+mn-lt"/>
+                <a:ea typeface="+mn-ea"/>
+                <a:cs typeface="+mn-cs"/>
+              </a:defRPr>
+            </a:pPr>
+            <a:endParaRPr lang="zh-CN"/>
+          </a:p>
+        </c:txPr>
+        <c:crossAx val="2003385983"/>
+        <c:crosses val="autoZero"/>
+        <c:crossBetween val="between"/>
+      </c:valAx>
+      <c:spPr>
+        <a:noFill/>
+        <a:ln>
+          <a:noFill/>
+        </a:ln>
+        <a:effectLst/>
+      </c:spPr>
+    </c:plotArea>
+    <c:legend>
+      <c:legendPos val="b"/>
+      <c:layout/>
+      <c:overlay val="0"/>
+      <c:spPr>
+        <a:noFill/>
+        <a:ln>
+          <a:noFill/>
+        </a:ln>
+        <a:effectLst/>
+      </c:spPr>
+      <c:txPr>
+        <a:bodyPr rot="0" spcFirstLastPara="1" vertOverflow="ellipsis" vert="horz" wrap="square" anchor="ctr" anchorCtr="1"/>
+        <a:lstStyle/>
+        <a:p>
+          <a:pPr>
+            <a:defRPr sz="900" b="0" i="0" u="none" strike="noStrike" kern="1200" baseline="0">
+              <a:solidFill>
+                <a:schemeClr val="tx2"/>
+              </a:solidFill>
+              <a:latin typeface="+mn-lt"/>
+              <a:ea typeface="+mn-ea"/>
+              <a:cs typeface="+mn-cs"/>
+            </a:defRPr>
+          </a:pPr>
+          <a:endParaRPr lang="zh-CN"/>
+        </a:p>
+      </c:txPr>
+    </c:legend>
+    <c:plotVisOnly val="1"/>
+    <c:dispBlanksAs val="gap"/>
+    <c:showDLblsOverMax val="0"/>
+  </c:chart>
+  <c:spPr>
+    <a:noFill/>
+    <a:ln>
+      <a:noFill/>
+    </a:ln>
+    <a:effectLst/>
+  </c:spPr>
+  <c:txPr>
+    <a:bodyPr/>
+    <a:lstStyle/>
+    <a:p>
+      <a:pPr>
+        <a:defRPr/>
+      </a:pPr>
+      <a:endParaRPr lang="zh-CN"/>
+    </a:p>
+  </c:txPr>
+  <c:externalData r:id="rId3">
+    <c:autoUpdate val="0"/>
+  </c:externalData>
+</c:chartSpace>
+</file>
+
+<file path=ppt/charts/chart9.xml><?xml version="1.0" encoding="utf-8"?>
+<c:chartSpace xmlns:c="http://schemas.openxmlformats.org/drawingml/2006/chart" xmlns:a="http://schemas.openxmlformats.org/drawingml/2006/main" xmlns:r="http://schemas.openxmlformats.org/officeDocument/2006/relationships" xmlns:c16r2="http://schemas.microsoft.com/office/drawing/2015/06/chart">
+  <c:date1904 val="0"/>
+  <c:lang val="zh-CN"/>
+  <c:roundedCorners val="0"/>
+  <mc:AlternateContent xmlns:mc="http://schemas.openxmlformats.org/markup-compatibility/2006">
+    <mc:Choice xmlns:c14="http://schemas.microsoft.com/office/drawing/2007/8/2/chart" Requires="c14">
+      <c14:style val="102"/>
+    </mc:Choice>
+    <mc:Fallback>
+      <c:style val="2"/>
+    </mc:Fallback>
+  </mc:AlternateContent>
+  <c:chart>
+    <c:autoTitleDeleted val="1"/>
+    <c:plotArea>
+      <c:layout/>
+      <c:barChart>
+        <c:barDir val="col"/>
+        <c:grouping val="clustered"/>
+        <c:varyColors val="0"/>
+        <c:ser>
+          <c:idx val="0"/>
+          <c:order val="0"/>
+          <c:tx>
+            <c:strRef>
+              <c:f>Sheet1!$R$50</c:f>
+              <c:strCache>
+                <c:ptCount val="1"/>
+                <c:pt idx="0">
+                  <c:v>LOSO</c:v>
+                </c:pt>
+              </c:strCache>
+            </c:strRef>
+          </c:tx>
+          <c:spPr>
+            <a:gradFill rotWithShape="1">
+              <a:gsLst>
+                <a:gs pos="0">
+                  <a:schemeClr val="accent1">
+                    <a:satMod val="103000"/>
+                    <a:lumMod val="102000"/>
+                    <a:tint val="94000"/>
+                  </a:schemeClr>
+                </a:gs>
+                <a:gs pos="50000">
+                  <a:schemeClr val="accent1">
+                    <a:satMod val="110000"/>
+                    <a:lumMod val="100000"/>
+                    <a:shade val="100000"/>
+                  </a:schemeClr>
+                </a:gs>
+                <a:gs pos="100000">
+                  <a:schemeClr val="accent1">
+                    <a:lumMod val="99000"/>
+                    <a:satMod val="120000"/>
+                    <a:shade val="78000"/>
+                  </a:schemeClr>
+                </a:gs>
+              </a:gsLst>
+              <a:lin ang="5400000" scaled="0"/>
+            </a:gradFill>
+            <a:ln>
+              <a:noFill/>
+            </a:ln>
+            <a:effectLst/>
+          </c:spPr>
+          <c:invertIfNegative val="0"/>
+          <c:dLbls>
+            <c:spPr>
+              <a:noFill/>
+              <a:ln>
+                <a:noFill/>
+              </a:ln>
+              <a:effectLst/>
+            </c:spPr>
+            <c:txPr>
+              <a:bodyPr rot="0" spcFirstLastPara="1" vertOverflow="ellipsis" vert="horz" wrap="square" lIns="38100" tIns="19050" rIns="38100" bIns="19050" anchor="ctr" anchorCtr="1">
+                <a:spAutoFit/>
+              </a:bodyPr>
+              <a:lstStyle/>
+              <a:p>
+                <a:pPr>
+                  <a:defRPr sz="900" b="0" i="0" u="none" strike="noStrike" kern="1200" baseline="0">
+                    <a:solidFill>
+                      <a:schemeClr val="tx2"/>
+                    </a:solidFill>
+                    <a:latin typeface="+mn-lt"/>
+                    <a:ea typeface="+mn-ea"/>
+                    <a:cs typeface="+mn-cs"/>
+                  </a:defRPr>
+                </a:pPr>
+                <a:endParaRPr lang="zh-CN"/>
+              </a:p>
+            </c:txPr>
+            <c:dLblPos val="outEnd"/>
+            <c:showLegendKey val="0"/>
+            <c:showVal val="1"/>
+            <c:showCatName val="0"/>
+            <c:showSerName val="0"/>
+            <c:showPercent val="0"/>
+            <c:showBubbleSize val="0"/>
+            <c:showLeaderLines val="0"/>
+            <c:extLst>
+              <c:ext xmlns:c15="http://schemas.microsoft.com/office/drawing/2012/chart" uri="{CE6537A1-D6FC-4f65-9D91-7224C49458BB}">
+                <c15:layout/>
+                <c15:showLeaderLines val="1"/>
+                <c15:leaderLines>
+                  <c:spPr>
+                    <a:ln w="9525">
+                      <a:solidFill>
+                        <a:schemeClr val="tx2">
+                          <a:lumMod val="35000"/>
+                          <a:lumOff val="65000"/>
+                        </a:schemeClr>
+                      </a:solidFill>
+                    </a:ln>
+                    <a:effectLst/>
+                  </c:spPr>
+                </c15:leaderLines>
+              </c:ext>
+            </c:extLst>
+          </c:dLbls>
+          <c:cat>
+            <c:strRef>
+              <c:f>Sheet1!$Q$51:$Q$55</c:f>
+              <c:strCache>
+                <c:ptCount val="5"/>
+                <c:pt idx="0">
+                  <c:v>FR-CRC</c:v>
+                </c:pt>
+                <c:pt idx="1">
+                  <c:v>AT-CRC</c:v>
+                </c:pt>
+                <c:pt idx="2">
+                  <c:v>CN-CRC</c:v>
+                </c:pt>
+                <c:pt idx="3">
+                  <c:v>US-CRC</c:v>
+                </c:pt>
+                <c:pt idx="4">
+                  <c:v>DE-CRC</c:v>
+                </c:pt>
+              </c:strCache>
+            </c:strRef>
+          </c:cat>
+          <c:val>
+            <c:numRef>
+              <c:f>Sheet1!$R$51:$R$55</c:f>
+              <c:numCache>
+                <c:formatCode>General</c:formatCode>
+                <c:ptCount val="5"/>
+                <c:pt idx="0">
+                  <c:v>0.82299999999999995</c:v>
+                </c:pt>
+                <c:pt idx="1">
+                  <c:v>0.90900000000000003</c:v>
+                </c:pt>
+                <c:pt idx="2">
+                  <c:v>0.82799999999999996</c:v>
+                </c:pt>
+                <c:pt idx="3">
+                  <c:v>0.73599999999999999</c:v>
+                </c:pt>
+                <c:pt idx="4">
+                  <c:v>0.91300000000000003</c:v>
+                </c:pt>
+              </c:numCache>
+            </c:numRef>
+          </c:val>
+          <c:extLst>
+            <c:ext xmlns:c16="http://schemas.microsoft.com/office/drawing/2014/chart" uri="{C3380CC4-5D6E-409C-BE32-E72D297353CC}">
+              <c16:uniqueId val="{00000000-AF70-4AFE-A95F-AF15A08E41DA}"/>
+            </c:ext>
+          </c:extLst>
+        </c:ser>
+        <c:ser>
+          <c:idx val="1"/>
+          <c:order val="1"/>
+          <c:tx>
+            <c:strRef>
+              <c:f>Sheet1!$S$50</c:f>
+              <c:strCache>
+                <c:ptCount val="1"/>
+                <c:pt idx="0">
+                  <c:v>Average</c:v>
+                </c:pt>
+              </c:strCache>
+            </c:strRef>
+          </c:tx>
+          <c:spPr>
+            <a:gradFill rotWithShape="1">
+              <a:gsLst>
+                <a:gs pos="0">
+                  <a:schemeClr val="accent2">
+                    <a:satMod val="103000"/>
+                    <a:lumMod val="102000"/>
+                    <a:tint val="94000"/>
+                  </a:schemeClr>
+                </a:gs>
+                <a:gs pos="50000">
+                  <a:schemeClr val="accent2">
+                    <a:satMod val="110000"/>
+                    <a:lumMod val="100000"/>
+                    <a:shade val="100000"/>
+                  </a:schemeClr>
+                </a:gs>
+                <a:gs pos="100000">
+                  <a:schemeClr val="accent2">
+                    <a:lumMod val="99000"/>
+                    <a:satMod val="120000"/>
+                    <a:shade val="78000"/>
+                  </a:schemeClr>
+                </a:gs>
+              </a:gsLst>
+              <a:lin ang="5400000" scaled="0"/>
+            </a:gradFill>
+            <a:ln>
+              <a:noFill/>
+            </a:ln>
+            <a:effectLst/>
+          </c:spPr>
+          <c:invertIfNegative val="0"/>
+          <c:dLbls>
+            <c:spPr>
+              <a:noFill/>
+              <a:ln>
+                <a:noFill/>
+              </a:ln>
+              <a:effectLst/>
+            </c:spPr>
+            <c:txPr>
+              <a:bodyPr rot="0" spcFirstLastPara="1" vertOverflow="ellipsis" vert="horz" wrap="square" lIns="38100" tIns="19050" rIns="38100" bIns="19050" anchor="ctr" anchorCtr="1">
+                <a:spAutoFit/>
+              </a:bodyPr>
+              <a:lstStyle/>
+              <a:p>
+                <a:pPr>
+                  <a:defRPr sz="900" b="0" i="0" u="none" strike="noStrike" kern="1200" baseline="0">
+                    <a:solidFill>
+                      <a:schemeClr val="tx2"/>
+                    </a:solidFill>
+                    <a:latin typeface="+mn-lt"/>
+                    <a:ea typeface="+mn-ea"/>
+                    <a:cs typeface="+mn-cs"/>
+                  </a:defRPr>
+                </a:pPr>
+                <a:endParaRPr lang="zh-CN"/>
+              </a:p>
+            </c:txPr>
+            <c:dLblPos val="outEnd"/>
+            <c:showLegendKey val="0"/>
+            <c:showVal val="1"/>
+            <c:showCatName val="0"/>
+            <c:showSerName val="0"/>
+            <c:showPercent val="0"/>
+            <c:showBubbleSize val="0"/>
+            <c:showLeaderLines val="0"/>
+            <c:extLst>
+              <c:ext xmlns:c15="http://schemas.microsoft.com/office/drawing/2012/chart" uri="{CE6537A1-D6FC-4f65-9D91-7224C49458BB}">
+                <c15:layout/>
+                <c15:showLeaderLines val="1"/>
+                <c15:leaderLines>
+                  <c:spPr>
+                    <a:ln w="9525">
+                      <a:solidFill>
+                        <a:schemeClr val="tx2">
+                          <a:lumMod val="35000"/>
+                          <a:lumOff val="65000"/>
+                        </a:schemeClr>
+                      </a:solidFill>
+                    </a:ln>
+                    <a:effectLst/>
+                  </c:spPr>
+                </c15:leaderLines>
+              </c:ext>
+            </c:extLst>
+          </c:dLbls>
+          <c:cat>
+            <c:strRef>
+              <c:f>Sheet1!$Q$51:$Q$55</c:f>
+              <c:strCache>
+                <c:ptCount val="5"/>
+                <c:pt idx="0">
+                  <c:v>FR-CRC</c:v>
+                </c:pt>
+                <c:pt idx="1">
+                  <c:v>AT-CRC</c:v>
+                </c:pt>
+                <c:pt idx="2">
+                  <c:v>CN-CRC</c:v>
+                </c:pt>
+                <c:pt idx="3">
+                  <c:v>US-CRC</c:v>
+                </c:pt>
+                <c:pt idx="4">
+                  <c:v>DE-CRC</c:v>
+                </c:pt>
+              </c:strCache>
+            </c:strRef>
+          </c:cat>
+          <c:val>
+            <c:numRef>
+              <c:f>Sheet1!$S$51:$S$55</c:f>
+              <c:numCache>
+                <c:formatCode>General</c:formatCode>
+                <c:ptCount val="5"/>
+                <c:pt idx="0">
+                  <c:v>0.78</c:v>
+                </c:pt>
+                <c:pt idx="1">
+                  <c:v>0.85</c:v>
+                </c:pt>
+                <c:pt idx="2">
+                  <c:v>0.75</c:v>
+                </c:pt>
+                <c:pt idx="3">
+                  <c:v>0.71</c:v>
+                </c:pt>
+                <c:pt idx="4">
+                  <c:v>0.85</c:v>
+                </c:pt>
+              </c:numCache>
+            </c:numRef>
+          </c:val>
+          <c:extLst>
+            <c:ext xmlns:c16="http://schemas.microsoft.com/office/drawing/2014/chart" uri="{C3380CC4-5D6E-409C-BE32-E72D297353CC}">
+              <c16:uniqueId val="{00000001-AF70-4AFE-A95F-AF15A08E41DA}"/>
+            </c:ext>
+          </c:extLst>
+        </c:ser>
+        <c:dLbls>
+          <c:dLblPos val="outEnd"/>
+          <c:showLegendKey val="0"/>
+          <c:showVal val="1"/>
+          <c:showCatName val="0"/>
+          <c:showSerName val="0"/>
+          <c:showPercent val="0"/>
+          <c:showBubbleSize val="0"/>
+        </c:dLbls>
+        <c:gapWidth val="100"/>
+        <c:overlap val="-24"/>
+        <c:axId val="2008635407"/>
+        <c:axId val="2008639151"/>
+      </c:barChart>
+      <c:catAx>
+        <c:axId val="2008635407"/>
+        <c:scaling>
+          <c:orientation val="minMax"/>
+        </c:scaling>
+        <c:delete val="0"/>
+        <c:axPos val="b"/>
+        <c:numFmt formatCode="General" sourceLinked="1"/>
+        <c:majorTickMark val="none"/>
+        <c:minorTickMark val="none"/>
+        <c:tickLblPos val="nextTo"/>
+        <c:spPr>
+          <a:noFill/>
+          <a:ln w="9525" cap="flat" cmpd="sng" algn="ctr">
+            <a:solidFill>
+              <a:schemeClr val="tx2">
+                <a:lumMod val="15000"/>
+                <a:lumOff val="85000"/>
+              </a:schemeClr>
+            </a:solidFill>
+            <a:round/>
+          </a:ln>
+          <a:effectLst/>
+        </c:spPr>
+        <c:txPr>
+          <a:bodyPr rot="-60000000" spcFirstLastPara="1" vertOverflow="ellipsis" vert="horz" wrap="square" anchor="ctr" anchorCtr="1"/>
+          <a:lstStyle/>
+          <a:p>
+            <a:pPr>
+              <a:defRPr sz="900" b="0" i="0" u="none" strike="noStrike" kern="1200" baseline="0">
+                <a:solidFill>
+                  <a:schemeClr val="tx2"/>
+                </a:solidFill>
+                <a:latin typeface="+mn-lt"/>
+                <a:ea typeface="+mn-ea"/>
+                <a:cs typeface="+mn-cs"/>
+              </a:defRPr>
+            </a:pPr>
+            <a:endParaRPr lang="zh-CN"/>
+          </a:p>
+        </c:txPr>
+        <c:crossAx val="2008639151"/>
+        <c:crosses val="autoZero"/>
+        <c:auto val="1"/>
+        <c:lblAlgn val="ctr"/>
+        <c:lblOffset val="100"/>
+        <c:noMultiLvlLbl val="0"/>
+      </c:catAx>
+      <c:valAx>
+        <c:axId val="2008639151"/>
+        <c:scaling>
+          <c:orientation val="minMax"/>
+          <c:min val="0.5"/>
+        </c:scaling>
+        <c:delete val="0"/>
+        <c:axPos val="l"/>
+        <c:majorGridlines>
+          <c:spPr>
+            <a:ln w="9525" cap="flat" cmpd="sng" algn="ctr">
+              <a:solidFill>
+                <a:schemeClr val="tx2">
+                  <a:lumMod val="15000"/>
+                  <a:lumOff val="85000"/>
+                </a:schemeClr>
+              </a:solidFill>
+              <a:round/>
+            </a:ln>
+            <a:effectLst/>
+          </c:spPr>
+        </c:majorGridlines>
+        <c:numFmt formatCode="General" sourceLinked="1"/>
+        <c:majorTickMark val="none"/>
+        <c:minorTickMark val="none"/>
+        <c:tickLblPos val="nextTo"/>
+        <c:spPr>
+          <a:noFill/>
+          <a:ln>
+            <a:noFill/>
+          </a:ln>
+          <a:effectLst/>
+        </c:spPr>
+        <c:txPr>
+          <a:bodyPr rot="-60000000" spcFirstLastPara="1" vertOverflow="ellipsis" vert="horz" wrap="square" anchor="ctr" anchorCtr="1"/>
+          <a:lstStyle/>
+          <a:p>
+            <a:pPr>
+              <a:defRPr sz="900" b="0" i="0" u="none" strike="noStrike" kern="1200" baseline="0">
+                <a:solidFill>
+                  <a:schemeClr val="tx2"/>
+                </a:solidFill>
+                <a:latin typeface="+mn-lt"/>
+                <a:ea typeface="+mn-ea"/>
+                <a:cs typeface="+mn-cs"/>
+              </a:defRPr>
+            </a:pPr>
+            <a:endParaRPr lang="zh-CN"/>
+          </a:p>
+        </c:txPr>
+        <c:crossAx val="2008635407"/>
         <c:crosses val="autoZero"/>
         <c:crossBetween val="between"/>
       </c:valAx>
@@ -3333,6 +4977,126 @@
 </cs:colorStyle>
 </file>
 
+<file path=ppt/charts/colors7.xml><?xml version="1.0" encoding="utf-8"?>
+<cs:colorStyle xmlns:cs="http://schemas.microsoft.com/office/drawing/2012/chartStyle" xmlns:a="http://schemas.openxmlformats.org/drawingml/2006/main" meth="cycle" id="10">
+  <a:schemeClr val="accent1"/>
+  <a:schemeClr val="accent2"/>
+  <a:schemeClr val="accent3"/>
+  <a:schemeClr val="accent4"/>
+  <a:schemeClr val="accent5"/>
+  <a:schemeClr val="accent6"/>
+  <cs:variation/>
+  <cs:variation>
+    <a:lumMod val="60000"/>
+  </cs:variation>
+  <cs:variation>
+    <a:lumMod val="80000"/>
+    <a:lumOff val="20000"/>
+  </cs:variation>
+  <cs:variation>
+    <a:lumMod val="80000"/>
+  </cs:variation>
+  <cs:variation>
+    <a:lumMod val="60000"/>
+    <a:lumOff val="40000"/>
+  </cs:variation>
+  <cs:variation>
+    <a:lumMod val="50000"/>
+  </cs:variation>
+  <cs:variation>
+    <a:lumMod val="70000"/>
+    <a:lumOff val="30000"/>
+  </cs:variation>
+  <cs:variation>
+    <a:lumMod val="70000"/>
+  </cs:variation>
+  <cs:variation>
+    <a:lumMod val="50000"/>
+    <a:lumOff val="50000"/>
+  </cs:variation>
+</cs:colorStyle>
+</file>
+
+<file path=ppt/charts/colors8.xml><?xml version="1.0" encoding="utf-8"?>
+<cs:colorStyle xmlns:cs="http://schemas.microsoft.com/office/drawing/2012/chartStyle" xmlns:a="http://schemas.openxmlformats.org/drawingml/2006/main" meth="cycle" id="10">
+  <a:schemeClr val="accent1"/>
+  <a:schemeClr val="accent2"/>
+  <a:schemeClr val="accent3"/>
+  <a:schemeClr val="accent4"/>
+  <a:schemeClr val="accent5"/>
+  <a:schemeClr val="accent6"/>
+  <cs:variation/>
+  <cs:variation>
+    <a:lumMod val="60000"/>
+  </cs:variation>
+  <cs:variation>
+    <a:lumMod val="80000"/>
+    <a:lumOff val="20000"/>
+  </cs:variation>
+  <cs:variation>
+    <a:lumMod val="80000"/>
+  </cs:variation>
+  <cs:variation>
+    <a:lumMod val="60000"/>
+    <a:lumOff val="40000"/>
+  </cs:variation>
+  <cs:variation>
+    <a:lumMod val="50000"/>
+  </cs:variation>
+  <cs:variation>
+    <a:lumMod val="70000"/>
+    <a:lumOff val="30000"/>
+  </cs:variation>
+  <cs:variation>
+    <a:lumMod val="70000"/>
+  </cs:variation>
+  <cs:variation>
+    <a:lumMod val="50000"/>
+    <a:lumOff val="50000"/>
+  </cs:variation>
+</cs:colorStyle>
+</file>
+
+<file path=ppt/charts/colors9.xml><?xml version="1.0" encoding="utf-8"?>
+<cs:colorStyle xmlns:cs="http://schemas.microsoft.com/office/drawing/2012/chartStyle" xmlns:a="http://schemas.openxmlformats.org/drawingml/2006/main" meth="cycle" id="10">
+  <a:schemeClr val="accent1"/>
+  <a:schemeClr val="accent2"/>
+  <a:schemeClr val="accent3"/>
+  <a:schemeClr val="accent4"/>
+  <a:schemeClr val="accent5"/>
+  <a:schemeClr val="accent6"/>
+  <cs:variation/>
+  <cs:variation>
+    <a:lumMod val="60000"/>
+  </cs:variation>
+  <cs:variation>
+    <a:lumMod val="80000"/>
+    <a:lumOff val="20000"/>
+  </cs:variation>
+  <cs:variation>
+    <a:lumMod val="80000"/>
+  </cs:variation>
+  <cs:variation>
+    <a:lumMod val="60000"/>
+    <a:lumOff val="40000"/>
+  </cs:variation>
+  <cs:variation>
+    <a:lumMod val="50000"/>
+  </cs:variation>
+  <cs:variation>
+    <a:lumMod val="70000"/>
+    <a:lumOff val="30000"/>
+  </cs:variation>
+  <cs:variation>
+    <a:lumMod val="70000"/>
+  </cs:variation>
+  <cs:variation>
+    <a:lumMod val="50000"/>
+    <a:lumOff val="50000"/>
+  </cs:variation>
+</cs:colorStyle>
+</file>
+
 <file path=ppt/charts/style1.xml><?xml version="1.0" encoding="utf-8"?>
 <cs:chartStyle xmlns:cs="http://schemas.microsoft.com/office/drawing/2012/chartStyle" xmlns:a="http://schemas.openxmlformats.org/drawingml/2006/main" id="207">
   <cs:axisTitle>
@@ -5679,6 +7443,1413 @@
 </file>
 
 <file path=ppt/charts/style6.xml><?xml version="1.0" encoding="utf-8"?>
+<cs:chartStyle xmlns:cs="http://schemas.microsoft.com/office/drawing/2012/chartStyle" xmlns:a="http://schemas.openxmlformats.org/drawingml/2006/main" id="207">
+  <cs:axisTitle>
+    <cs:lnRef idx="0"/>
+    <cs:fillRef idx="0"/>
+    <cs:effectRef idx="0"/>
+    <cs:fontRef idx="minor">
+      <a:schemeClr val="tx2"/>
+    </cs:fontRef>
+    <cs:defRPr sz="900" b="1" kern="1200"/>
+  </cs:axisTitle>
+  <cs:categoryAxis>
+    <cs:lnRef idx="0"/>
+    <cs:fillRef idx="0"/>
+    <cs:effectRef idx="0"/>
+    <cs:fontRef idx="minor">
+      <a:schemeClr val="tx2"/>
+    </cs:fontRef>
+    <cs:spPr>
+      <a:ln w="9525" cap="flat" cmpd="sng" algn="ctr">
+        <a:solidFill>
+          <a:schemeClr val="tx2">
+            <a:lumMod val="15000"/>
+            <a:lumOff val="85000"/>
+          </a:schemeClr>
+        </a:solidFill>
+        <a:round/>
+      </a:ln>
+    </cs:spPr>
+    <cs:defRPr sz="900" kern="1200"/>
+  </cs:categoryAxis>
+  <cs:chartArea mods="allowNoFillOverride allowNoLineOverride">
+    <cs:lnRef idx="0"/>
+    <cs:fillRef idx="0"/>
+    <cs:effectRef idx="0"/>
+    <cs:fontRef idx="minor">
+      <a:schemeClr val="tx2"/>
+    </cs:fontRef>
+    <cs:spPr>
+      <a:solidFill>
+        <a:schemeClr val="bg1"/>
+      </a:solidFill>
+      <a:ln w="9525" cap="flat" cmpd="sng" algn="ctr">
+        <a:solidFill>
+          <a:schemeClr val="tx2">
+            <a:lumMod val="15000"/>
+            <a:lumOff val="85000"/>
+          </a:schemeClr>
+        </a:solidFill>
+        <a:round/>
+      </a:ln>
+    </cs:spPr>
+    <cs:defRPr sz="900" kern="1200"/>
+  </cs:chartArea>
+  <cs:dataLabel>
+    <cs:lnRef idx="0"/>
+    <cs:fillRef idx="0"/>
+    <cs:effectRef idx="0"/>
+    <cs:fontRef idx="minor">
+      <a:schemeClr val="tx2"/>
+    </cs:fontRef>
+    <cs:defRPr sz="900" kern="1200"/>
+  </cs:dataLabel>
+  <cs:dataLabelCallout>
+    <cs:lnRef idx="0"/>
+    <cs:fillRef idx="0"/>
+    <cs:effectRef idx="0"/>
+    <cs:fontRef idx="minor">
+      <a:schemeClr val="dk2">
+        <a:lumMod val="75000"/>
+      </a:schemeClr>
+    </cs:fontRef>
+    <cs:spPr>
+      <a:solidFill>
+        <a:schemeClr val="lt1"/>
+      </a:solidFill>
+      <a:ln>
+        <a:solidFill>
+          <a:schemeClr val="dk1">
+            <a:lumMod val="25000"/>
+            <a:lumOff val="75000"/>
+          </a:schemeClr>
+        </a:solidFill>
+      </a:ln>
+    </cs:spPr>
+    <cs:defRPr sz="900" kern="1200"/>
+    <cs:bodyPr rot="0" spcFirstLastPara="1" vertOverflow="clip" horzOverflow="clip" vert="horz" wrap="square" lIns="36576" tIns="18288" rIns="36576" bIns="18288" anchor="ctr" anchorCtr="1">
+      <a:spAutoFit/>
+    </cs:bodyPr>
+  </cs:dataLabelCallout>
+  <cs:dataPoint>
+    <cs:lnRef idx="0"/>
+    <cs:fillRef idx="3">
+      <cs:styleClr val="auto"/>
+    </cs:fillRef>
+    <cs:effectRef idx="2"/>
+    <cs:fontRef idx="minor">
+      <a:schemeClr val="tx2"/>
+    </cs:fontRef>
+  </cs:dataPoint>
+  <cs:dataPoint3D>
+    <cs:lnRef idx="0"/>
+    <cs:fillRef idx="3">
+      <cs:styleClr val="auto"/>
+    </cs:fillRef>
+    <cs:effectRef idx="2"/>
+    <cs:fontRef idx="minor">
+      <a:schemeClr val="tx2"/>
+    </cs:fontRef>
+  </cs:dataPoint3D>
+  <cs:dataPointLine>
+    <cs:lnRef idx="0">
+      <cs:styleClr val="auto"/>
+    </cs:lnRef>
+    <cs:fillRef idx="3"/>
+    <cs:effectRef idx="2"/>
+    <cs:fontRef idx="minor">
+      <a:schemeClr val="tx2"/>
+    </cs:fontRef>
+    <cs:spPr>
+      <a:ln w="31750" cap="rnd">
+        <a:solidFill>
+          <a:schemeClr val="phClr"/>
+        </a:solidFill>
+        <a:round/>
+      </a:ln>
+    </cs:spPr>
+  </cs:dataPointLine>
+  <cs:dataPointMarker>
+    <cs:lnRef idx="0"/>
+    <cs:fillRef idx="3">
+      <cs:styleClr val="auto"/>
+    </cs:fillRef>
+    <cs:effectRef idx="2"/>
+    <cs:fontRef idx="minor">
+      <a:schemeClr val="tx2"/>
+    </cs:fontRef>
+    <cs:spPr>
+      <a:ln w="12700">
+        <a:solidFill>
+          <a:schemeClr val="lt2"/>
+        </a:solidFill>
+        <a:round/>
+      </a:ln>
+    </cs:spPr>
+  </cs:dataPointMarker>
+  <cs:dataPointMarkerLayout symbol="circle" size="6"/>
+  <cs:dataPointWireframe>
+    <cs:lnRef idx="0">
+      <cs:styleClr val="auto"/>
+    </cs:lnRef>
+    <cs:fillRef idx="3"/>
+    <cs:effectRef idx="2"/>
+    <cs:fontRef idx="minor">
+      <a:schemeClr val="tx2"/>
+    </cs:fontRef>
+    <cs:spPr>
+      <a:ln w="9525" cap="rnd">
+        <a:solidFill>
+          <a:schemeClr val="phClr"/>
+        </a:solidFill>
+        <a:round/>
+      </a:ln>
+    </cs:spPr>
+  </cs:dataPointWireframe>
+  <cs:dataTable>
+    <cs:lnRef idx="0"/>
+    <cs:fillRef idx="0"/>
+    <cs:effectRef idx="0"/>
+    <cs:fontRef idx="minor">
+      <a:schemeClr val="tx2"/>
+    </cs:fontRef>
+    <cs:spPr>
+      <a:ln w="9525">
+        <a:solidFill>
+          <a:schemeClr val="tx2">
+            <a:lumMod val="15000"/>
+            <a:lumOff val="85000"/>
+          </a:schemeClr>
+        </a:solidFill>
+      </a:ln>
+    </cs:spPr>
+    <cs:defRPr sz="900" kern="1200"/>
+  </cs:dataTable>
+  <cs:downBar>
+    <cs:lnRef idx="0"/>
+    <cs:fillRef idx="0"/>
+    <cs:effectRef idx="0"/>
+    <cs:fontRef idx="minor">
+      <a:schemeClr val="dk1"/>
+    </cs:fontRef>
+    <cs:spPr>
+      <a:solidFill>
+        <a:schemeClr val="dk1">
+          <a:lumMod val="65000"/>
+          <a:lumOff val="35000"/>
+        </a:schemeClr>
+      </a:solidFill>
+      <a:ln w="9525">
+        <a:solidFill>
+          <a:schemeClr val="tx1">
+            <a:lumMod val="65000"/>
+            <a:lumOff val="35000"/>
+          </a:schemeClr>
+        </a:solidFill>
+      </a:ln>
+    </cs:spPr>
+  </cs:downBar>
+  <cs:dropLine>
+    <cs:lnRef idx="0"/>
+    <cs:fillRef idx="0"/>
+    <cs:effectRef idx="0"/>
+    <cs:fontRef idx="minor">
+      <a:schemeClr val="tx2"/>
+    </cs:fontRef>
+    <cs:spPr>
+      <a:ln w="9525">
+        <a:solidFill>
+          <a:schemeClr val="tx2">
+            <a:lumMod val="60000"/>
+            <a:lumOff val="40000"/>
+          </a:schemeClr>
+        </a:solidFill>
+        <a:prstDash val="dash"/>
+      </a:ln>
+    </cs:spPr>
+  </cs:dropLine>
+  <cs:errorBar>
+    <cs:lnRef idx="0"/>
+    <cs:fillRef idx="0"/>
+    <cs:effectRef idx="0"/>
+    <cs:fontRef idx="minor">
+      <a:schemeClr val="tx2"/>
+    </cs:fontRef>
+    <cs:spPr>
+      <a:ln w="9525">
+        <a:solidFill>
+          <a:schemeClr val="tx2">
+            <a:lumMod val="75000"/>
+            <a:lumOff val="25000"/>
+          </a:schemeClr>
+        </a:solidFill>
+        <a:round/>
+      </a:ln>
+    </cs:spPr>
+  </cs:errorBar>
+  <cs:floor>
+    <cs:lnRef idx="0"/>
+    <cs:fillRef idx="0"/>
+    <cs:effectRef idx="0"/>
+    <cs:fontRef idx="minor">
+      <a:schemeClr val="tx2"/>
+    </cs:fontRef>
+  </cs:floor>
+  <cs:gridlineMajor>
+    <cs:lnRef idx="0"/>
+    <cs:fillRef idx="0"/>
+    <cs:effectRef idx="0"/>
+    <cs:fontRef idx="minor">
+      <a:schemeClr val="tx2"/>
+    </cs:fontRef>
+    <cs:spPr>
+      <a:ln w="9525" cap="flat" cmpd="sng" algn="ctr">
+        <a:solidFill>
+          <a:schemeClr val="tx2">
+            <a:lumMod val="15000"/>
+            <a:lumOff val="85000"/>
+          </a:schemeClr>
+        </a:solidFill>
+        <a:round/>
+      </a:ln>
+    </cs:spPr>
+  </cs:gridlineMajor>
+  <cs:gridlineMinor>
+    <cs:lnRef idx="0"/>
+    <cs:fillRef idx="0"/>
+    <cs:effectRef idx="0"/>
+    <cs:fontRef idx="minor">
+      <a:schemeClr val="tx2"/>
+    </cs:fontRef>
+    <cs:spPr>
+      <a:ln>
+        <a:solidFill>
+          <a:schemeClr val="tx2">
+            <a:lumMod val="5000"/>
+            <a:lumOff val="95000"/>
+          </a:schemeClr>
+        </a:solidFill>
+      </a:ln>
+    </cs:spPr>
+  </cs:gridlineMinor>
+  <cs:hiLoLine>
+    <cs:lnRef idx="0"/>
+    <cs:fillRef idx="0"/>
+    <cs:effectRef idx="0"/>
+    <cs:fontRef idx="minor">
+      <a:schemeClr val="tx2"/>
+    </cs:fontRef>
+    <cs:spPr>
+      <a:ln w="9525">
+        <a:solidFill>
+          <a:schemeClr val="tx2">
+            <a:lumMod val="60000"/>
+            <a:lumOff val="40000"/>
+          </a:schemeClr>
+        </a:solidFill>
+        <a:prstDash val="dash"/>
+      </a:ln>
+    </cs:spPr>
+  </cs:hiLoLine>
+  <cs:leaderLine>
+    <cs:lnRef idx="0"/>
+    <cs:fillRef idx="0"/>
+    <cs:effectRef idx="0"/>
+    <cs:fontRef idx="minor">
+      <a:schemeClr val="tx2"/>
+    </cs:fontRef>
+    <cs:spPr>
+      <a:ln w="9525">
+        <a:solidFill>
+          <a:schemeClr val="tx2">
+            <a:lumMod val="35000"/>
+            <a:lumOff val="65000"/>
+          </a:schemeClr>
+        </a:solidFill>
+      </a:ln>
+    </cs:spPr>
+  </cs:leaderLine>
+  <cs:legend>
+    <cs:lnRef idx="0"/>
+    <cs:fillRef idx="0"/>
+    <cs:effectRef idx="0"/>
+    <cs:fontRef idx="minor">
+      <a:schemeClr val="tx2"/>
+    </cs:fontRef>
+    <cs:defRPr sz="900" kern="1200"/>
+  </cs:legend>
+  <cs:plotArea>
+    <cs:lnRef idx="0"/>
+    <cs:fillRef idx="0"/>
+    <cs:effectRef idx="0"/>
+    <cs:fontRef idx="minor">
+      <a:schemeClr val="tx2"/>
+    </cs:fontRef>
+  </cs:plotArea>
+  <cs:plotArea3D>
+    <cs:lnRef idx="0"/>
+    <cs:fillRef idx="0"/>
+    <cs:effectRef idx="0"/>
+    <cs:fontRef idx="minor">
+      <a:schemeClr val="tx2"/>
+    </cs:fontRef>
+  </cs:plotArea3D>
+  <cs:seriesAxis>
+    <cs:lnRef idx="0"/>
+    <cs:fillRef idx="0"/>
+    <cs:effectRef idx="0"/>
+    <cs:fontRef idx="minor">
+      <a:schemeClr val="tx2"/>
+    </cs:fontRef>
+    <cs:spPr>
+      <a:ln w="9525" cap="flat" cmpd="sng" algn="ctr">
+        <a:solidFill>
+          <a:schemeClr val="tx2">
+            <a:lumMod val="15000"/>
+            <a:lumOff val="85000"/>
+          </a:schemeClr>
+        </a:solidFill>
+        <a:round/>
+      </a:ln>
+    </cs:spPr>
+    <cs:defRPr sz="900" kern="1200"/>
+  </cs:seriesAxis>
+  <cs:seriesLine>
+    <cs:lnRef idx="0"/>
+    <cs:fillRef idx="0"/>
+    <cs:effectRef idx="0"/>
+    <cs:fontRef idx="minor">
+      <a:schemeClr val="tx2"/>
+    </cs:fontRef>
+    <cs:spPr>
+      <a:ln w="9525">
+        <a:solidFill>
+          <a:schemeClr val="tx2">
+            <a:lumMod val="60000"/>
+            <a:lumOff val="40000"/>
+          </a:schemeClr>
+        </a:solidFill>
+        <a:prstDash val="dash"/>
+      </a:ln>
+    </cs:spPr>
+  </cs:seriesLine>
+  <cs:title>
+    <cs:lnRef idx="0"/>
+    <cs:fillRef idx="0"/>
+    <cs:effectRef idx="0"/>
+    <cs:fontRef idx="minor">
+      <a:schemeClr val="tx2"/>
+    </cs:fontRef>
+    <cs:defRPr sz="1600" b="1" kern="1200"/>
+  </cs:title>
+  <cs:trendline>
+    <cs:lnRef idx="0">
+      <cs:styleClr val="auto"/>
+    </cs:lnRef>
+    <cs:fillRef idx="0"/>
+    <cs:effectRef idx="0"/>
+    <cs:fontRef idx="minor">
+      <a:schemeClr val="tx2"/>
+    </cs:fontRef>
+    <cs:spPr>
+      <a:ln w="19050" cap="rnd">
+        <a:solidFill>
+          <a:schemeClr val="phClr"/>
+        </a:solidFill>
+        <a:prstDash val="sysDash"/>
+      </a:ln>
+    </cs:spPr>
+  </cs:trendline>
+  <cs:trendlineLabel>
+    <cs:lnRef idx="0"/>
+    <cs:fillRef idx="0"/>
+    <cs:effectRef idx="0"/>
+    <cs:fontRef idx="minor">
+      <a:schemeClr val="tx2"/>
+    </cs:fontRef>
+    <cs:defRPr sz="900" kern="1200"/>
+  </cs:trendlineLabel>
+  <cs:upBar>
+    <cs:lnRef idx="0"/>
+    <cs:fillRef idx="0"/>
+    <cs:effectRef idx="0"/>
+    <cs:fontRef idx="minor">
+      <a:schemeClr val="tx2"/>
+    </cs:fontRef>
+    <cs:spPr>
+      <a:solidFill>
+        <a:schemeClr val="lt1"/>
+      </a:solidFill>
+      <a:ln w="9525">
+        <a:solidFill>
+          <a:schemeClr val="tx1">
+            <a:lumMod val="15000"/>
+            <a:lumOff val="85000"/>
+          </a:schemeClr>
+        </a:solidFill>
+      </a:ln>
+    </cs:spPr>
+  </cs:upBar>
+  <cs:valueAxis>
+    <cs:lnRef idx="0"/>
+    <cs:fillRef idx="0"/>
+    <cs:effectRef idx="0"/>
+    <cs:fontRef idx="minor">
+      <a:schemeClr val="tx2"/>
+    </cs:fontRef>
+    <cs:defRPr sz="900" kern="1200"/>
+  </cs:valueAxis>
+  <cs:wall>
+    <cs:lnRef idx="0"/>
+    <cs:fillRef idx="0"/>
+    <cs:effectRef idx="0"/>
+    <cs:fontRef idx="minor">
+      <a:schemeClr val="tx2"/>
+    </cs:fontRef>
+  </cs:wall>
+</cs:chartStyle>
+</file>
+
+<file path=ppt/charts/style7.xml><?xml version="1.0" encoding="utf-8"?>
+<cs:chartStyle xmlns:cs="http://schemas.microsoft.com/office/drawing/2012/chartStyle" xmlns:a="http://schemas.openxmlformats.org/drawingml/2006/main" id="207">
+  <cs:axisTitle>
+    <cs:lnRef idx="0"/>
+    <cs:fillRef idx="0"/>
+    <cs:effectRef idx="0"/>
+    <cs:fontRef idx="minor">
+      <a:schemeClr val="tx2"/>
+    </cs:fontRef>
+    <cs:defRPr sz="900" b="1" kern="1200"/>
+  </cs:axisTitle>
+  <cs:categoryAxis>
+    <cs:lnRef idx="0"/>
+    <cs:fillRef idx="0"/>
+    <cs:effectRef idx="0"/>
+    <cs:fontRef idx="minor">
+      <a:schemeClr val="tx2"/>
+    </cs:fontRef>
+    <cs:spPr>
+      <a:ln w="9525" cap="flat" cmpd="sng" algn="ctr">
+        <a:solidFill>
+          <a:schemeClr val="tx2">
+            <a:lumMod val="15000"/>
+            <a:lumOff val="85000"/>
+          </a:schemeClr>
+        </a:solidFill>
+        <a:round/>
+      </a:ln>
+    </cs:spPr>
+    <cs:defRPr sz="900" kern="1200"/>
+  </cs:categoryAxis>
+  <cs:chartArea mods="allowNoFillOverride allowNoLineOverride">
+    <cs:lnRef idx="0"/>
+    <cs:fillRef idx="0"/>
+    <cs:effectRef idx="0"/>
+    <cs:fontRef idx="minor">
+      <a:schemeClr val="tx2"/>
+    </cs:fontRef>
+    <cs:spPr>
+      <a:solidFill>
+        <a:schemeClr val="bg1"/>
+      </a:solidFill>
+      <a:ln w="9525" cap="flat" cmpd="sng" algn="ctr">
+        <a:solidFill>
+          <a:schemeClr val="tx2">
+            <a:lumMod val="15000"/>
+            <a:lumOff val="85000"/>
+          </a:schemeClr>
+        </a:solidFill>
+        <a:round/>
+      </a:ln>
+    </cs:spPr>
+    <cs:defRPr sz="900" kern="1200"/>
+  </cs:chartArea>
+  <cs:dataLabel>
+    <cs:lnRef idx="0"/>
+    <cs:fillRef idx="0"/>
+    <cs:effectRef idx="0"/>
+    <cs:fontRef idx="minor">
+      <a:schemeClr val="tx2"/>
+    </cs:fontRef>
+    <cs:defRPr sz="900" kern="1200"/>
+  </cs:dataLabel>
+  <cs:dataLabelCallout>
+    <cs:lnRef idx="0"/>
+    <cs:fillRef idx="0"/>
+    <cs:effectRef idx="0"/>
+    <cs:fontRef idx="minor">
+      <a:schemeClr val="dk2">
+        <a:lumMod val="75000"/>
+      </a:schemeClr>
+    </cs:fontRef>
+    <cs:spPr>
+      <a:solidFill>
+        <a:schemeClr val="lt1"/>
+      </a:solidFill>
+      <a:ln>
+        <a:solidFill>
+          <a:schemeClr val="dk1">
+            <a:lumMod val="25000"/>
+            <a:lumOff val="75000"/>
+          </a:schemeClr>
+        </a:solidFill>
+      </a:ln>
+    </cs:spPr>
+    <cs:defRPr sz="900" kern="1200"/>
+    <cs:bodyPr rot="0" spcFirstLastPara="1" vertOverflow="clip" horzOverflow="clip" vert="horz" wrap="square" lIns="36576" tIns="18288" rIns="36576" bIns="18288" anchor="ctr" anchorCtr="1">
+      <a:spAutoFit/>
+    </cs:bodyPr>
+  </cs:dataLabelCallout>
+  <cs:dataPoint>
+    <cs:lnRef idx="0"/>
+    <cs:fillRef idx="3">
+      <cs:styleClr val="auto"/>
+    </cs:fillRef>
+    <cs:effectRef idx="2"/>
+    <cs:fontRef idx="minor">
+      <a:schemeClr val="tx2"/>
+    </cs:fontRef>
+  </cs:dataPoint>
+  <cs:dataPoint3D>
+    <cs:lnRef idx="0"/>
+    <cs:fillRef idx="3">
+      <cs:styleClr val="auto"/>
+    </cs:fillRef>
+    <cs:effectRef idx="2"/>
+    <cs:fontRef idx="minor">
+      <a:schemeClr val="tx2"/>
+    </cs:fontRef>
+  </cs:dataPoint3D>
+  <cs:dataPointLine>
+    <cs:lnRef idx="0">
+      <cs:styleClr val="auto"/>
+    </cs:lnRef>
+    <cs:fillRef idx="3"/>
+    <cs:effectRef idx="2"/>
+    <cs:fontRef idx="minor">
+      <a:schemeClr val="tx2"/>
+    </cs:fontRef>
+    <cs:spPr>
+      <a:ln w="31750" cap="rnd">
+        <a:solidFill>
+          <a:schemeClr val="phClr"/>
+        </a:solidFill>
+        <a:round/>
+      </a:ln>
+    </cs:spPr>
+  </cs:dataPointLine>
+  <cs:dataPointMarker>
+    <cs:lnRef idx="0"/>
+    <cs:fillRef idx="3">
+      <cs:styleClr val="auto"/>
+    </cs:fillRef>
+    <cs:effectRef idx="2"/>
+    <cs:fontRef idx="minor">
+      <a:schemeClr val="tx2"/>
+    </cs:fontRef>
+    <cs:spPr>
+      <a:ln w="12700">
+        <a:solidFill>
+          <a:schemeClr val="lt2"/>
+        </a:solidFill>
+        <a:round/>
+      </a:ln>
+    </cs:spPr>
+  </cs:dataPointMarker>
+  <cs:dataPointMarkerLayout symbol="circle" size="6"/>
+  <cs:dataPointWireframe>
+    <cs:lnRef idx="0">
+      <cs:styleClr val="auto"/>
+    </cs:lnRef>
+    <cs:fillRef idx="3"/>
+    <cs:effectRef idx="2"/>
+    <cs:fontRef idx="minor">
+      <a:schemeClr val="tx2"/>
+    </cs:fontRef>
+    <cs:spPr>
+      <a:ln w="9525" cap="rnd">
+        <a:solidFill>
+          <a:schemeClr val="phClr"/>
+        </a:solidFill>
+        <a:round/>
+      </a:ln>
+    </cs:spPr>
+  </cs:dataPointWireframe>
+  <cs:dataTable>
+    <cs:lnRef idx="0"/>
+    <cs:fillRef idx="0"/>
+    <cs:effectRef idx="0"/>
+    <cs:fontRef idx="minor">
+      <a:schemeClr val="tx2"/>
+    </cs:fontRef>
+    <cs:spPr>
+      <a:ln w="9525">
+        <a:solidFill>
+          <a:schemeClr val="tx2">
+            <a:lumMod val="15000"/>
+            <a:lumOff val="85000"/>
+          </a:schemeClr>
+        </a:solidFill>
+      </a:ln>
+    </cs:spPr>
+    <cs:defRPr sz="900" kern="1200"/>
+  </cs:dataTable>
+  <cs:downBar>
+    <cs:lnRef idx="0"/>
+    <cs:fillRef idx="0"/>
+    <cs:effectRef idx="0"/>
+    <cs:fontRef idx="minor">
+      <a:schemeClr val="dk1"/>
+    </cs:fontRef>
+    <cs:spPr>
+      <a:solidFill>
+        <a:schemeClr val="dk1">
+          <a:lumMod val="65000"/>
+          <a:lumOff val="35000"/>
+        </a:schemeClr>
+      </a:solidFill>
+      <a:ln w="9525">
+        <a:solidFill>
+          <a:schemeClr val="tx1">
+            <a:lumMod val="65000"/>
+            <a:lumOff val="35000"/>
+          </a:schemeClr>
+        </a:solidFill>
+      </a:ln>
+    </cs:spPr>
+  </cs:downBar>
+  <cs:dropLine>
+    <cs:lnRef idx="0"/>
+    <cs:fillRef idx="0"/>
+    <cs:effectRef idx="0"/>
+    <cs:fontRef idx="minor">
+      <a:schemeClr val="tx2"/>
+    </cs:fontRef>
+    <cs:spPr>
+      <a:ln w="9525">
+        <a:solidFill>
+          <a:schemeClr val="tx2">
+            <a:lumMod val="60000"/>
+            <a:lumOff val="40000"/>
+          </a:schemeClr>
+        </a:solidFill>
+        <a:prstDash val="dash"/>
+      </a:ln>
+    </cs:spPr>
+  </cs:dropLine>
+  <cs:errorBar>
+    <cs:lnRef idx="0"/>
+    <cs:fillRef idx="0"/>
+    <cs:effectRef idx="0"/>
+    <cs:fontRef idx="minor">
+      <a:schemeClr val="tx2"/>
+    </cs:fontRef>
+    <cs:spPr>
+      <a:ln w="9525">
+        <a:solidFill>
+          <a:schemeClr val="tx2">
+            <a:lumMod val="75000"/>
+            <a:lumOff val="25000"/>
+          </a:schemeClr>
+        </a:solidFill>
+        <a:round/>
+      </a:ln>
+    </cs:spPr>
+  </cs:errorBar>
+  <cs:floor>
+    <cs:lnRef idx="0"/>
+    <cs:fillRef idx="0"/>
+    <cs:effectRef idx="0"/>
+    <cs:fontRef idx="minor">
+      <a:schemeClr val="tx2"/>
+    </cs:fontRef>
+  </cs:floor>
+  <cs:gridlineMajor>
+    <cs:lnRef idx="0"/>
+    <cs:fillRef idx="0"/>
+    <cs:effectRef idx="0"/>
+    <cs:fontRef idx="minor">
+      <a:schemeClr val="tx2"/>
+    </cs:fontRef>
+    <cs:spPr>
+      <a:ln w="9525" cap="flat" cmpd="sng" algn="ctr">
+        <a:solidFill>
+          <a:schemeClr val="tx2">
+            <a:lumMod val="15000"/>
+            <a:lumOff val="85000"/>
+          </a:schemeClr>
+        </a:solidFill>
+        <a:round/>
+      </a:ln>
+    </cs:spPr>
+  </cs:gridlineMajor>
+  <cs:gridlineMinor>
+    <cs:lnRef idx="0"/>
+    <cs:fillRef idx="0"/>
+    <cs:effectRef idx="0"/>
+    <cs:fontRef idx="minor">
+      <a:schemeClr val="tx2"/>
+    </cs:fontRef>
+    <cs:spPr>
+      <a:ln>
+        <a:solidFill>
+          <a:schemeClr val="tx2">
+            <a:lumMod val="5000"/>
+            <a:lumOff val="95000"/>
+          </a:schemeClr>
+        </a:solidFill>
+      </a:ln>
+    </cs:spPr>
+  </cs:gridlineMinor>
+  <cs:hiLoLine>
+    <cs:lnRef idx="0"/>
+    <cs:fillRef idx="0"/>
+    <cs:effectRef idx="0"/>
+    <cs:fontRef idx="minor">
+      <a:schemeClr val="tx2"/>
+    </cs:fontRef>
+    <cs:spPr>
+      <a:ln w="9525">
+        <a:solidFill>
+          <a:schemeClr val="tx2">
+            <a:lumMod val="60000"/>
+            <a:lumOff val="40000"/>
+          </a:schemeClr>
+        </a:solidFill>
+        <a:prstDash val="dash"/>
+      </a:ln>
+    </cs:spPr>
+  </cs:hiLoLine>
+  <cs:leaderLine>
+    <cs:lnRef idx="0"/>
+    <cs:fillRef idx="0"/>
+    <cs:effectRef idx="0"/>
+    <cs:fontRef idx="minor">
+      <a:schemeClr val="tx2"/>
+    </cs:fontRef>
+    <cs:spPr>
+      <a:ln w="9525">
+        <a:solidFill>
+          <a:schemeClr val="tx2">
+            <a:lumMod val="35000"/>
+            <a:lumOff val="65000"/>
+          </a:schemeClr>
+        </a:solidFill>
+      </a:ln>
+    </cs:spPr>
+  </cs:leaderLine>
+  <cs:legend>
+    <cs:lnRef idx="0"/>
+    <cs:fillRef idx="0"/>
+    <cs:effectRef idx="0"/>
+    <cs:fontRef idx="minor">
+      <a:schemeClr val="tx2"/>
+    </cs:fontRef>
+    <cs:defRPr sz="900" kern="1200"/>
+  </cs:legend>
+  <cs:plotArea>
+    <cs:lnRef idx="0"/>
+    <cs:fillRef idx="0"/>
+    <cs:effectRef idx="0"/>
+    <cs:fontRef idx="minor">
+      <a:schemeClr val="tx2"/>
+    </cs:fontRef>
+  </cs:plotArea>
+  <cs:plotArea3D>
+    <cs:lnRef idx="0"/>
+    <cs:fillRef idx="0"/>
+    <cs:effectRef idx="0"/>
+    <cs:fontRef idx="minor">
+      <a:schemeClr val="tx2"/>
+    </cs:fontRef>
+  </cs:plotArea3D>
+  <cs:seriesAxis>
+    <cs:lnRef idx="0"/>
+    <cs:fillRef idx="0"/>
+    <cs:effectRef idx="0"/>
+    <cs:fontRef idx="minor">
+      <a:schemeClr val="tx2"/>
+    </cs:fontRef>
+    <cs:spPr>
+      <a:ln w="9525" cap="flat" cmpd="sng" algn="ctr">
+        <a:solidFill>
+          <a:schemeClr val="tx2">
+            <a:lumMod val="15000"/>
+            <a:lumOff val="85000"/>
+          </a:schemeClr>
+        </a:solidFill>
+        <a:round/>
+      </a:ln>
+    </cs:spPr>
+    <cs:defRPr sz="900" kern="1200"/>
+  </cs:seriesAxis>
+  <cs:seriesLine>
+    <cs:lnRef idx="0"/>
+    <cs:fillRef idx="0"/>
+    <cs:effectRef idx="0"/>
+    <cs:fontRef idx="minor">
+      <a:schemeClr val="tx2"/>
+    </cs:fontRef>
+    <cs:spPr>
+      <a:ln w="9525">
+        <a:solidFill>
+          <a:schemeClr val="tx2">
+            <a:lumMod val="60000"/>
+            <a:lumOff val="40000"/>
+          </a:schemeClr>
+        </a:solidFill>
+        <a:prstDash val="dash"/>
+      </a:ln>
+    </cs:spPr>
+  </cs:seriesLine>
+  <cs:title>
+    <cs:lnRef idx="0"/>
+    <cs:fillRef idx="0"/>
+    <cs:effectRef idx="0"/>
+    <cs:fontRef idx="minor">
+      <a:schemeClr val="tx2"/>
+    </cs:fontRef>
+    <cs:defRPr sz="1600" b="1" kern="1200"/>
+  </cs:title>
+  <cs:trendline>
+    <cs:lnRef idx="0">
+      <cs:styleClr val="auto"/>
+    </cs:lnRef>
+    <cs:fillRef idx="0"/>
+    <cs:effectRef idx="0"/>
+    <cs:fontRef idx="minor">
+      <a:schemeClr val="tx2"/>
+    </cs:fontRef>
+    <cs:spPr>
+      <a:ln w="19050" cap="rnd">
+        <a:solidFill>
+          <a:schemeClr val="phClr"/>
+        </a:solidFill>
+        <a:prstDash val="sysDash"/>
+      </a:ln>
+    </cs:spPr>
+  </cs:trendline>
+  <cs:trendlineLabel>
+    <cs:lnRef idx="0"/>
+    <cs:fillRef idx="0"/>
+    <cs:effectRef idx="0"/>
+    <cs:fontRef idx="minor">
+      <a:schemeClr val="tx2"/>
+    </cs:fontRef>
+    <cs:defRPr sz="900" kern="1200"/>
+  </cs:trendlineLabel>
+  <cs:upBar>
+    <cs:lnRef idx="0"/>
+    <cs:fillRef idx="0"/>
+    <cs:effectRef idx="0"/>
+    <cs:fontRef idx="minor">
+      <a:schemeClr val="tx2"/>
+    </cs:fontRef>
+    <cs:spPr>
+      <a:solidFill>
+        <a:schemeClr val="lt1"/>
+      </a:solidFill>
+      <a:ln w="9525">
+        <a:solidFill>
+          <a:schemeClr val="tx1">
+            <a:lumMod val="15000"/>
+            <a:lumOff val="85000"/>
+          </a:schemeClr>
+        </a:solidFill>
+      </a:ln>
+    </cs:spPr>
+  </cs:upBar>
+  <cs:valueAxis>
+    <cs:lnRef idx="0"/>
+    <cs:fillRef idx="0"/>
+    <cs:effectRef idx="0"/>
+    <cs:fontRef idx="minor">
+      <a:schemeClr val="tx2"/>
+    </cs:fontRef>
+    <cs:defRPr sz="900" kern="1200"/>
+  </cs:valueAxis>
+  <cs:wall>
+    <cs:lnRef idx="0"/>
+    <cs:fillRef idx="0"/>
+    <cs:effectRef idx="0"/>
+    <cs:fontRef idx="minor">
+      <a:schemeClr val="tx2"/>
+    </cs:fontRef>
+  </cs:wall>
+</cs:chartStyle>
+</file>
+
+<file path=ppt/charts/style8.xml><?xml version="1.0" encoding="utf-8"?>
+<cs:chartStyle xmlns:cs="http://schemas.microsoft.com/office/drawing/2012/chartStyle" xmlns:a="http://schemas.openxmlformats.org/drawingml/2006/main" id="207">
+  <cs:axisTitle>
+    <cs:lnRef idx="0"/>
+    <cs:fillRef idx="0"/>
+    <cs:effectRef idx="0"/>
+    <cs:fontRef idx="minor">
+      <a:schemeClr val="tx2"/>
+    </cs:fontRef>
+    <cs:defRPr sz="900" b="1" kern="1200"/>
+  </cs:axisTitle>
+  <cs:categoryAxis>
+    <cs:lnRef idx="0"/>
+    <cs:fillRef idx="0"/>
+    <cs:effectRef idx="0"/>
+    <cs:fontRef idx="minor">
+      <a:schemeClr val="tx2"/>
+    </cs:fontRef>
+    <cs:spPr>
+      <a:ln w="9525" cap="flat" cmpd="sng" algn="ctr">
+        <a:solidFill>
+          <a:schemeClr val="tx2">
+            <a:lumMod val="15000"/>
+            <a:lumOff val="85000"/>
+          </a:schemeClr>
+        </a:solidFill>
+        <a:round/>
+      </a:ln>
+    </cs:spPr>
+    <cs:defRPr sz="900" kern="1200"/>
+  </cs:categoryAxis>
+  <cs:chartArea mods="allowNoFillOverride allowNoLineOverride">
+    <cs:lnRef idx="0"/>
+    <cs:fillRef idx="0"/>
+    <cs:effectRef idx="0"/>
+    <cs:fontRef idx="minor">
+      <a:schemeClr val="tx2"/>
+    </cs:fontRef>
+    <cs:spPr>
+      <a:solidFill>
+        <a:schemeClr val="bg1"/>
+      </a:solidFill>
+      <a:ln w="9525" cap="flat" cmpd="sng" algn="ctr">
+        <a:solidFill>
+          <a:schemeClr val="tx2">
+            <a:lumMod val="15000"/>
+            <a:lumOff val="85000"/>
+          </a:schemeClr>
+        </a:solidFill>
+        <a:round/>
+      </a:ln>
+    </cs:spPr>
+    <cs:defRPr sz="900" kern="1200"/>
+  </cs:chartArea>
+  <cs:dataLabel>
+    <cs:lnRef idx="0"/>
+    <cs:fillRef idx="0"/>
+    <cs:effectRef idx="0"/>
+    <cs:fontRef idx="minor">
+      <a:schemeClr val="tx2"/>
+    </cs:fontRef>
+    <cs:defRPr sz="900" kern="1200"/>
+  </cs:dataLabel>
+  <cs:dataLabelCallout>
+    <cs:lnRef idx="0"/>
+    <cs:fillRef idx="0"/>
+    <cs:effectRef idx="0"/>
+    <cs:fontRef idx="minor">
+      <a:schemeClr val="dk2">
+        <a:lumMod val="75000"/>
+      </a:schemeClr>
+    </cs:fontRef>
+    <cs:spPr>
+      <a:solidFill>
+        <a:schemeClr val="lt1"/>
+      </a:solidFill>
+      <a:ln>
+        <a:solidFill>
+          <a:schemeClr val="dk1">
+            <a:lumMod val="25000"/>
+            <a:lumOff val="75000"/>
+          </a:schemeClr>
+        </a:solidFill>
+      </a:ln>
+    </cs:spPr>
+    <cs:defRPr sz="900" kern="1200"/>
+    <cs:bodyPr rot="0" spcFirstLastPara="1" vertOverflow="clip" horzOverflow="clip" vert="horz" wrap="square" lIns="36576" tIns="18288" rIns="36576" bIns="18288" anchor="ctr" anchorCtr="1">
+      <a:spAutoFit/>
+    </cs:bodyPr>
+  </cs:dataLabelCallout>
+  <cs:dataPoint>
+    <cs:lnRef idx="0"/>
+    <cs:fillRef idx="3">
+      <cs:styleClr val="auto"/>
+    </cs:fillRef>
+    <cs:effectRef idx="2"/>
+    <cs:fontRef idx="minor">
+      <a:schemeClr val="tx2"/>
+    </cs:fontRef>
+  </cs:dataPoint>
+  <cs:dataPoint3D>
+    <cs:lnRef idx="0"/>
+    <cs:fillRef idx="3">
+      <cs:styleClr val="auto"/>
+    </cs:fillRef>
+    <cs:effectRef idx="2"/>
+    <cs:fontRef idx="minor">
+      <a:schemeClr val="tx2"/>
+    </cs:fontRef>
+  </cs:dataPoint3D>
+  <cs:dataPointLine>
+    <cs:lnRef idx="0">
+      <cs:styleClr val="auto"/>
+    </cs:lnRef>
+    <cs:fillRef idx="3"/>
+    <cs:effectRef idx="2"/>
+    <cs:fontRef idx="minor">
+      <a:schemeClr val="tx2"/>
+    </cs:fontRef>
+    <cs:spPr>
+      <a:ln w="31750" cap="rnd">
+        <a:solidFill>
+          <a:schemeClr val="phClr"/>
+        </a:solidFill>
+        <a:round/>
+      </a:ln>
+    </cs:spPr>
+  </cs:dataPointLine>
+  <cs:dataPointMarker>
+    <cs:lnRef idx="0"/>
+    <cs:fillRef idx="3">
+      <cs:styleClr val="auto"/>
+    </cs:fillRef>
+    <cs:effectRef idx="2"/>
+    <cs:fontRef idx="minor">
+      <a:schemeClr val="tx2"/>
+    </cs:fontRef>
+    <cs:spPr>
+      <a:ln w="12700">
+        <a:solidFill>
+          <a:schemeClr val="lt2"/>
+        </a:solidFill>
+        <a:round/>
+      </a:ln>
+    </cs:spPr>
+  </cs:dataPointMarker>
+  <cs:dataPointMarkerLayout symbol="circle" size="6"/>
+  <cs:dataPointWireframe>
+    <cs:lnRef idx="0">
+      <cs:styleClr val="auto"/>
+    </cs:lnRef>
+    <cs:fillRef idx="3"/>
+    <cs:effectRef idx="2"/>
+    <cs:fontRef idx="minor">
+      <a:schemeClr val="tx2"/>
+    </cs:fontRef>
+    <cs:spPr>
+      <a:ln w="9525" cap="rnd">
+        <a:solidFill>
+          <a:schemeClr val="phClr"/>
+        </a:solidFill>
+        <a:round/>
+      </a:ln>
+    </cs:spPr>
+  </cs:dataPointWireframe>
+  <cs:dataTable>
+    <cs:lnRef idx="0"/>
+    <cs:fillRef idx="0"/>
+    <cs:effectRef idx="0"/>
+    <cs:fontRef idx="minor">
+      <a:schemeClr val="tx2"/>
+    </cs:fontRef>
+    <cs:spPr>
+      <a:ln w="9525">
+        <a:solidFill>
+          <a:schemeClr val="tx2">
+            <a:lumMod val="15000"/>
+            <a:lumOff val="85000"/>
+          </a:schemeClr>
+        </a:solidFill>
+      </a:ln>
+    </cs:spPr>
+    <cs:defRPr sz="900" kern="1200"/>
+  </cs:dataTable>
+  <cs:downBar>
+    <cs:lnRef idx="0"/>
+    <cs:fillRef idx="0"/>
+    <cs:effectRef idx="0"/>
+    <cs:fontRef idx="minor">
+      <a:schemeClr val="dk1"/>
+    </cs:fontRef>
+    <cs:spPr>
+      <a:solidFill>
+        <a:schemeClr val="dk1">
+          <a:lumMod val="65000"/>
+          <a:lumOff val="35000"/>
+        </a:schemeClr>
+      </a:solidFill>
+      <a:ln w="9525">
+        <a:solidFill>
+          <a:schemeClr val="tx1">
+            <a:lumMod val="65000"/>
+            <a:lumOff val="35000"/>
+          </a:schemeClr>
+        </a:solidFill>
+      </a:ln>
+    </cs:spPr>
+  </cs:downBar>
+  <cs:dropLine>
+    <cs:lnRef idx="0"/>
+    <cs:fillRef idx="0"/>
+    <cs:effectRef idx="0"/>
+    <cs:fontRef idx="minor">
+      <a:schemeClr val="tx2"/>
+    </cs:fontRef>
+    <cs:spPr>
+      <a:ln w="9525">
+        <a:solidFill>
+          <a:schemeClr val="tx2">
+            <a:lumMod val="60000"/>
+            <a:lumOff val="40000"/>
+          </a:schemeClr>
+        </a:solidFill>
+        <a:prstDash val="dash"/>
+      </a:ln>
+    </cs:spPr>
+  </cs:dropLine>
+  <cs:errorBar>
+    <cs:lnRef idx="0"/>
+    <cs:fillRef idx="0"/>
+    <cs:effectRef idx="0"/>
+    <cs:fontRef idx="minor">
+      <a:schemeClr val="tx2"/>
+    </cs:fontRef>
+    <cs:spPr>
+      <a:ln w="9525">
+        <a:solidFill>
+          <a:schemeClr val="tx2">
+            <a:lumMod val="75000"/>
+            <a:lumOff val="25000"/>
+          </a:schemeClr>
+        </a:solidFill>
+        <a:round/>
+      </a:ln>
+    </cs:spPr>
+  </cs:errorBar>
+  <cs:floor>
+    <cs:lnRef idx="0"/>
+    <cs:fillRef idx="0"/>
+    <cs:effectRef idx="0"/>
+    <cs:fontRef idx="minor">
+      <a:schemeClr val="tx2"/>
+    </cs:fontRef>
+  </cs:floor>
+  <cs:gridlineMajor>
+    <cs:lnRef idx="0"/>
+    <cs:fillRef idx="0"/>
+    <cs:effectRef idx="0"/>
+    <cs:fontRef idx="minor">
+      <a:schemeClr val="tx2"/>
+    </cs:fontRef>
+    <cs:spPr>
+      <a:ln w="9525" cap="flat" cmpd="sng" algn="ctr">
+        <a:solidFill>
+          <a:schemeClr val="tx2">
+            <a:lumMod val="15000"/>
+            <a:lumOff val="85000"/>
+          </a:schemeClr>
+        </a:solidFill>
+        <a:round/>
+      </a:ln>
+    </cs:spPr>
+  </cs:gridlineMajor>
+  <cs:gridlineMinor>
+    <cs:lnRef idx="0"/>
+    <cs:fillRef idx="0"/>
+    <cs:effectRef idx="0"/>
+    <cs:fontRef idx="minor">
+      <a:schemeClr val="tx2"/>
+    </cs:fontRef>
+    <cs:spPr>
+      <a:ln>
+        <a:solidFill>
+          <a:schemeClr val="tx2">
+            <a:lumMod val="5000"/>
+            <a:lumOff val="95000"/>
+          </a:schemeClr>
+        </a:solidFill>
+      </a:ln>
+    </cs:spPr>
+  </cs:gridlineMinor>
+  <cs:hiLoLine>
+    <cs:lnRef idx="0"/>
+    <cs:fillRef idx="0"/>
+    <cs:effectRef idx="0"/>
+    <cs:fontRef idx="minor">
+      <a:schemeClr val="tx2"/>
+    </cs:fontRef>
+    <cs:spPr>
+      <a:ln w="9525">
+        <a:solidFill>
+          <a:schemeClr val="tx2">
+            <a:lumMod val="60000"/>
+            <a:lumOff val="40000"/>
+          </a:schemeClr>
+        </a:solidFill>
+        <a:prstDash val="dash"/>
+      </a:ln>
+    </cs:spPr>
+  </cs:hiLoLine>
+  <cs:leaderLine>
+    <cs:lnRef idx="0"/>
+    <cs:fillRef idx="0"/>
+    <cs:effectRef idx="0"/>
+    <cs:fontRef idx="minor">
+      <a:schemeClr val="tx2"/>
+    </cs:fontRef>
+    <cs:spPr>
+      <a:ln w="9525">
+        <a:solidFill>
+          <a:schemeClr val="tx2">
+            <a:lumMod val="35000"/>
+            <a:lumOff val="65000"/>
+          </a:schemeClr>
+        </a:solidFill>
+      </a:ln>
+    </cs:spPr>
+  </cs:leaderLine>
+  <cs:legend>
+    <cs:lnRef idx="0"/>
+    <cs:fillRef idx="0"/>
+    <cs:effectRef idx="0"/>
+    <cs:fontRef idx="minor">
+      <a:schemeClr val="tx2"/>
+    </cs:fontRef>
+    <cs:defRPr sz="900" kern="1200"/>
+  </cs:legend>
+  <cs:plotArea>
+    <cs:lnRef idx="0"/>
+    <cs:fillRef idx="0"/>
+    <cs:effectRef idx="0"/>
+    <cs:fontRef idx="minor">
+      <a:schemeClr val="tx2"/>
+    </cs:fontRef>
+  </cs:plotArea>
+  <cs:plotArea3D>
+    <cs:lnRef idx="0"/>
+    <cs:fillRef idx="0"/>
+    <cs:effectRef idx="0"/>
+    <cs:fontRef idx="minor">
+      <a:schemeClr val="tx2"/>
+    </cs:fontRef>
+  </cs:plotArea3D>
+  <cs:seriesAxis>
+    <cs:lnRef idx="0"/>
+    <cs:fillRef idx="0"/>
+    <cs:effectRef idx="0"/>
+    <cs:fontRef idx="minor">
+      <a:schemeClr val="tx2"/>
+    </cs:fontRef>
+    <cs:spPr>
+      <a:ln w="9525" cap="flat" cmpd="sng" algn="ctr">
+        <a:solidFill>
+          <a:schemeClr val="tx2">
+            <a:lumMod val="15000"/>
+            <a:lumOff val="85000"/>
+          </a:schemeClr>
+        </a:solidFill>
+        <a:round/>
+      </a:ln>
+    </cs:spPr>
+    <cs:defRPr sz="900" kern="1200"/>
+  </cs:seriesAxis>
+  <cs:seriesLine>
+    <cs:lnRef idx="0"/>
+    <cs:fillRef idx="0"/>
+    <cs:effectRef idx="0"/>
+    <cs:fontRef idx="minor">
+      <a:schemeClr val="tx2"/>
+    </cs:fontRef>
+    <cs:spPr>
+      <a:ln w="9525">
+        <a:solidFill>
+          <a:schemeClr val="tx2">
+            <a:lumMod val="60000"/>
+            <a:lumOff val="40000"/>
+          </a:schemeClr>
+        </a:solidFill>
+        <a:prstDash val="dash"/>
+      </a:ln>
+    </cs:spPr>
+  </cs:seriesLine>
+  <cs:title>
+    <cs:lnRef idx="0"/>
+    <cs:fillRef idx="0"/>
+    <cs:effectRef idx="0"/>
+    <cs:fontRef idx="minor">
+      <a:schemeClr val="tx2"/>
+    </cs:fontRef>
+    <cs:defRPr sz="1600" b="1" kern="1200"/>
+  </cs:title>
+  <cs:trendline>
+    <cs:lnRef idx="0">
+      <cs:styleClr val="auto"/>
+    </cs:lnRef>
+    <cs:fillRef idx="0"/>
+    <cs:effectRef idx="0"/>
+    <cs:fontRef idx="minor">
+      <a:schemeClr val="tx2"/>
+    </cs:fontRef>
+    <cs:spPr>
+      <a:ln w="19050" cap="rnd">
+        <a:solidFill>
+          <a:schemeClr val="phClr"/>
+        </a:solidFill>
+        <a:prstDash val="sysDash"/>
+      </a:ln>
+    </cs:spPr>
+  </cs:trendline>
+  <cs:trendlineLabel>
+    <cs:lnRef idx="0"/>
+    <cs:fillRef idx="0"/>
+    <cs:effectRef idx="0"/>
+    <cs:fontRef idx="minor">
+      <a:schemeClr val="tx2"/>
+    </cs:fontRef>
+    <cs:defRPr sz="900" kern="1200"/>
+  </cs:trendlineLabel>
+  <cs:upBar>
+    <cs:lnRef idx="0"/>
+    <cs:fillRef idx="0"/>
+    <cs:effectRef idx="0"/>
+    <cs:fontRef idx="minor">
+      <a:schemeClr val="tx2"/>
+    </cs:fontRef>
+    <cs:spPr>
+      <a:solidFill>
+        <a:schemeClr val="lt1"/>
+      </a:solidFill>
+      <a:ln w="9525">
+        <a:solidFill>
+          <a:schemeClr val="tx1">
+            <a:lumMod val="15000"/>
+            <a:lumOff val="85000"/>
+          </a:schemeClr>
+        </a:solidFill>
+      </a:ln>
+    </cs:spPr>
+  </cs:upBar>
+  <cs:valueAxis>
+    <cs:lnRef idx="0"/>
+    <cs:fillRef idx="0"/>
+    <cs:effectRef idx="0"/>
+    <cs:fontRef idx="minor">
+      <a:schemeClr val="tx2"/>
+    </cs:fontRef>
+    <cs:defRPr sz="900" kern="1200"/>
+  </cs:valueAxis>
+  <cs:wall>
+    <cs:lnRef idx="0"/>
+    <cs:fillRef idx="0"/>
+    <cs:effectRef idx="0"/>
+    <cs:fontRef idx="minor">
+      <a:schemeClr val="tx2"/>
+    </cs:fontRef>
+  </cs:wall>
+</cs:chartStyle>
+</file>
+
+<file path=ppt/charts/style9.xml><?xml version="1.0" encoding="utf-8"?>
 <cs:chartStyle xmlns:cs="http://schemas.microsoft.com/office/drawing/2012/chartStyle" xmlns:a="http://schemas.openxmlformats.org/drawingml/2006/main" id="207">
   <cs:axisTitle>
     <cs:lnRef idx="0"/>
@@ -6229,7 +9400,7 @@
           <a:p>
             <a:fld id="{ECA311E8-4600-4890-800D-1DA3262C35FA}" type="datetimeFigureOut">
               <a:rPr lang="zh-CN" altLang="en-US" smtClean="0"/>
-              <a:t>2019/7/28</a:t>
+              <a:t>2019/7/29</a:t>
             </a:fld>
             <a:endParaRPr lang="zh-CN" altLang="en-US"/>
           </a:p>
@@ -6628,7 +9799,7 @@
           <a:p>
             <a:fld id="{4F582BFF-4598-466C-9273-271571851B60}" type="datetimeFigureOut">
               <a:rPr lang="zh-CN" altLang="en-US" smtClean="0"/>
-              <a:t>2019/7/28</a:t>
+              <a:t>2019/7/29</a:t>
             </a:fld>
             <a:endParaRPr lang="zh-CN" altLang="en-US"/>
           </a:p>
@@ -6798,7 +9969,7 @@
           <a:p>
             <a:fld id="{4F582BFF-4598-466C-9273-271571851B60}" type="datetimeFigureOut">
               <a:rPr lang="zh-CN" altLang="en-US" smtClean="0"/>
-              <a:t>2019/7/28</a:t>
+              <a:t>2019/7/29</a:t>
             </a:fld>
             <a:endParaRPr lang="zh-CN" altLang="en-US"/>
           </a:p>
@@ -6978,7 +10149,7 @@
           <a:p>
             <a:fld id="{4F582BFF-4598-466C-9273-271571851B60}" type="datetimeFigureOut">
               <a:rPr lang="zh-CN" altLang="en-US" smtClean="0"/>
-              <a:t>2019/7/28</a:t>
+              <a:t>2019/7/29</a:t>
             </a:fld>
             <a:endParaRPr lang="zh-CN" altLang="en-US"/>
           </a:p>
@@ -7148,7 +10319,7 @@
           <a:p>
             <a:fld id="{4F582BFF-4598-466C-9273-271571851B60}" type="datetimeFigureOut">
               <a:rPr lang="zh-CN" altLang="en-US" smtClean="0"/>
-              <a:t>2019/7/28</a:t>
+              <a:t>2019/7/29</a:t>
             </a:fld>
             <a:endParaRPr lang="zh-CN" altLang="en-US"/>
           </a:p>
@@ -7394,7 +10565,7 @@
           <a:p>
             <a:fld id="{4F582BFF-4598-466C-9273-271571851B60}" type="datetimeFigureOut">
               <a:rPr lang="zh-CN" altLang="en-US" smtClean="0"/>
-              <a:t>2019/7/28</a:t>
+              <a:t>2019/7/29</a:t>
             </a:fld>
             <a:endParaRPr lang="zh-CN" altLang="en-US"/>
           </a:p>
@@ -7626,7 +10797,7 @@
           <a:p>
             <a:fld id="{4F582BFF-4598-466C-9273-271571851B60}" type="datetimeFigureOut">
               <a:rPr lang="zh-CN" altLang="en-US" smtClean="0"/>
-              <a:t>2019/7/28</a:t>
+              <a:t>2019/7/29</a:t>
             </a:fld>
             <a:endParaRPr lang="zh-CN" altLang="en-US"/>
           </a:p>
@@ -7993,7 +11164,7 @@
           <a:p>
             <a:fld id="{4F582BFF-4598-466C-9273-271571851B60}" type="datetimeFigureOut">
               <a:rPr lang="zh-CN" altLang="en-US" smtClean="0"/>
-              <a:t>2019/7/28</a:t>
+              <a:t>2019/7/29</a:t>
             </a:fld>
             <a:endParaRPr lang="zh-CN" altLang="en-US"/>
           </a:p>
@@ -8111,7 +11282,7 @@
           <a:p>
             <a:fld id="{4F582BFF-4598-466C-9273-271571851B60}" type="datetimeFigureOut">
               <a:rPr lang="zh-CN" altLang="en-US" smtClean="0"/>
-              <a:t>2019/7/28</a:t>
+              <a:t>2019/7/29</a:t>
             </a:fld>
             <a:endParaRPr lang="zh-CN" altLang="en-US"/>
           </a:p>
@@ -8206,7 +11377,7 @@
           <a:p>
             <a:fld id="{4F582BFF-4598-466C-9273-271571851B60}" type="datetimeFigureOut">
               <a:rPr lang="zh-CN" altLang="en-US" smtClean="0"/>
-              <a:t>2019/7/28</a:t>
+              <a:t>2019/7/29</a:t>
             </a:fld>
             <a:endParaRPr lang="zh-CN" altLang="en-US"/>
           </a:p>
@@ -8483,7 +11654,7 @@
           <a:p>
             <a:fld id="{4F582BFF-4598-466C-9273-271571851B60}" type="datetimeFigureOut">
               <a:rPr lang="zh-CN" altLang="en-US" smtClean="0"/>
-              <a:t>2019/7/28</a:t>
+              <a:t>2019/7/29</a:t>
             </a:fld>
             <a:endParaRPr lang="zh-CN" altLang="en-US"/>
           </a:p>
@@ -8736,7 +11907,7 @@
           <a:p>
             <a:fld id="{4F582BFF-4598-466C-9273-271571851B60}" type="datetimeFigureOut">
               <a:rPr lang="zh-CN" altLang="en-US" smtClean="0"/>
-              <a:t>2019/7/28</a:t>
+              <a:t>2019/7/29</a:t>
             </a:fld>
             <a:endParaRPr lang="zh-CN" altLang="en-US"/>
           </a:p>
@@ -8949,7 +12120,7 @@
           <a:p>
             <a:fld id="{4F582BFF-4598-466C-9273-271571851B60}" type="datetimeFigureOut">
               <a:rPr lang="zh-CN" altLang="en-US" smtClean="0"/>
-              <a:t>2019/7/28</a:t>
+              <a:t>2019/7/29</a:t>
             </a:fld>
             <a:endParaRPr lang="zh-CN" altLang="en-US"/>
           </a:p>
@@ -9864,52 +13035,6 @@
           </a:p>
         </p:txBody>
       </p:sp>
-      <p:pic>
-        <p:nvPicPr>
-          <p:cNvPr id="2" name="图片 1"/>
-          <p:cNvPicPr>
-            <a:picLocks noChangeAspect="1"/>
-          </p:cNvPicPr>
-          <p:nvPr/>
-        </p:nvPicPr>
-        <p:blipFill rotWithShape="1">
-          <a:blip r:embed="rId2"/>
-          <a:srcRect l="4062" r="25023"/>
-          <a:stretch/>
-        </p:blipFill>
-        <p:spPr>
-          <a:xfrm>
-            <a:off x="870438" y="621511"/>
-            <a:ext cx="4554416" cy="2947634"/>
-          </a:xfrm>
-          <a:prstGeom prst="rect">
-            <a:avLst/>
-          </a:prstGeom>
-        </p:spPr>
-      </p:pic>
-      <p:pic>
-        <p:nvPicPr>
-          <p:cNvPr id="3" name="图片 2"/>
-          <p:cNvPicPr>
-            <a:picLocks noChangeAspect="1"/>
-          </p:cNvPicPr>
-          <p:nvPr/>
-        </p:nvPicPr>
-        <p:blipFill rotWithShape="1">
-          <a:blip r:embed="rId3"/>
-          <a:srcRect l="5450"/>
-          <a:stretch/>
-        </p:blipFill>
-        <p:spPr>
-          <a:xfrm>
-            <a:off x="899294" y="3713032"/>
-            <a:ext cx="4525560" cy="3014315"/>
-          </a:xfrm>
-          <a:prstGeom prst="rect">
-            <a:avLst/>
-          </a:prstGeom>
-        </p:spPr>
-      </p:pic>
       <p:sp>
         <p:nvSpPr>
           <p:cNvPr id="5" name="文本框 4"/>
@@ -9948,7 +13073,7 @@
         </p:nvSpPr>
         <p:spPr>
           <a:xfrm>
-            <a:off x="2332891" y="3649330"/>
+            <a:off x="2332891" y="3701809"/>
             <a:ext cx="2628900" cy="369332"/>
           </a:xfrm>
           <a:prstGeom prst="rect">
@@ -9979,14 +13104,62 @@
           <p:nvPr>
             <p:extLst>
               <p:ext uri="{D42A27DB-BD31-4B8C-83A1-F6EECF244321}">
-                <p14:modId xmlns:p14="http://schemas.microsoft.com/office/powerpoint/2010/main" val="613470685"/>
+                <p14:modId xmlns:p14="http://schemas.microsoft.com/office/powerpoint/2010/main" val="3217615387"/>
               </p:ext>
             </p:extLst>
           </p:nvPr>
         </p:nvGraphicFramePr>
         <p:xfrm>
-          <a:off x="6154615" y="1723292"/>
+          <a:off x="6506307" y="1934309"/>
           <a:ext cx="4812323" cy="3376245"/>
+        </p:xfrm>
+        <a:graphic>
+          <a:graphicData uri="http://schemas.openxmlformats.org/drawingml/2006/chart">
+            <c:chart xmlns:c="http://schemas.openxmlformats.org/drawingml/2006/chart" xmlns:r="http://schemas.openxmlformats.org/officeDocument/2006/relationships" r:id="rId2"/>
+          </a:graphicData>
+        </a:graphic>
+      </p:graphicFrame>
+      <p:graphicFrame>
+        <p:nvGraphicFramePr>
+          <p:cNvPr id="8" name="图表 7"/>
+          <p:cNvGraphicFramePr>
+            <a:graphicFrameLocks/>
+          </p:cNvGraphicFramePr>
+          <p:nvPr>
+            <p:extLst>
+              <p:ext uri="{D42A27DB-BD31-4B8C-83A1-F6EECF244321}">
+                <p14:modId xmlns:p14="http://schemas.microsoft.com/office/powerpoint/2010/main" val="3939756412"/>
+              </p:ext>
+            </p:extLst>
+          </p:nvPr>
+        </p:nvGraphicFramePr>
+        <p:xfrm>
+          <a:off x="852854" y="1090796"/>
+          <a:ext cx="4572000" cy="2743200"/>
+        </p:xfrm>
+        <a:graphic>
+          <a:graphicData uri="http://schemas.openxmlformats.org/drawingml/2006/chart">
+            <c:chart xmlns:c="http://schemas.openxmlformats.org/drawingml/2006/chart" xmlns:r="http://schemas.openxmlformats.org/officeDocument/2006/relationships" r:id="rId3"/>
+          </a:graphicData>
+        </a:graphic>
+      </p:graphicFrame>
+      <p:graphicFrame>
+        <p:nvGraphicFramePr>
+          <p:cNvPr id="9" name="图表 8"/>
+          <p:cNvGraphicFramePr>
+            <a:graphicFrameLocks/>
+          </p:cNvGraphicFramePr>
+          <p:nvPr>
+            <p:extLst>
+              <p:ext uri="{D42A27DB-BD31-4B8C-83A1-F6EECF244321}">
+                <p14:modId xmlns:p14="http://schemas.microsoft.com/office/powerpoint/2010/main" val="2580403008"/>
+              </p:ext>
+            </p:extLst>
+          </p:nvPr>
+        </p:nvGraphicFramePr>
+        <p:xfrm>
+          <a:off x="852854" y="3938954"/>
+          <a:ext cx="4572000" cy="2743200"/>
         </p:xfrm>
         <a:graphic>
           <a:graphicData uri="http://schemas.openxmlformats.org/drawingml/2006/chart">
@@ -10040,7 +13213,7 @@
         <p:spPr>
           <a:xfrm>
             <a:off x="609600" y="307703"/>
-            <a:ext cx="1790875" cy="584775"/>
+            <a:ext cx="2230098" cy="584775"/>
           </a:xfrm>
           <a:prstGeom prst="rect">
             <a:avLst/>
@@ -10056,7 +13229,7 @@
               <a:rPr lang="en-US" altLang="zh-CN" sz="3200" dirty="0" smtClean="0">
                 <a:latin typeface="+mj-ea"/>
               </a:rPr>
-              <a:t>Problems</a:t>
+              <a:t>Conclusions</a:t>
             </a:r>
             <a:endParaRPr lang="zh-CN" altLang="en-US" sz="3200" dirty="0"/>
           </a:p>
@@ -10071,7 +13244,7 @@
         <p:spPr>
           <a:xfrm>
             <a:off x="609600" y="1025654"/>
-            <a:ext cx="6907823" cy="400110"/>
+            <a:ext cx="6907823" cy="707886"/>
           </a:xfrm>
           <a:prstGeom prst="rect">
             <a:avLst/>
@@ -10090,8 +13263,19 @@
             </a:pPr>
             <a:r>
               <a:rPr lang="en-US" altLang="zh-CN" sz="2000" dirty="0" smtClean="0"/>
-              <a:t>Study to Study Transfer(AUC)</a:t>
+              <a:t>The AUC results have been improved to some extent.</a:t>
             </a:r>
+          </a:p>
+          <a:p>
+            <a:pPr marL="285750" indent="-285750">
+              <a:buFont typeface="Wingdings" panose="05000000000000000000" pitchFamily="2" charset="2"/>
+              <a:buChar char="Ø"/>
+            </a:pPr>
+            <a:r>
+              <a:rPr lang="en-US" altLang="zh-CN" sz="2000" dirty="0" smtClean="0"/>
+              <a:t>But some results that are good original get worse. </a:t>
+            </a:r>
+            <a:endParaRPr lang="en-US" altLang="zh-CN" sz="2000" dirty="0" smtClean="0"/>
           </a:p>
         </p:txBody>
       </p:sp>
@@ -10110,7 +13294,7 @@
         </p:blipFill>
         <p:spPr>
           <a:xfrm>
-            <a:off x="861647" y="1558940"/>
+            <a:off x="1019909" y="2288701"/>
             <a:ext cx="4742730" cy="3682234"/>
           </a:xfrm>
           <a:prstGeom prst="rect">
@@ -10134,7 +13318,7 @@
         </p:blipFill>
         <p:spPr>
           <a:xfrm>
-            <a:off x="5817809" y="1558940"/>
+            <a:off x="5976071" y="2288701"/>
             <a:ext cx="4618660" cy="3724778"/>
           </a:xfrm>
           <a:prstGeom prst="rect">
@@ -10150,7 +13334,7 @@
         </p:nvSpPr>
         <p:spPr>
           <a:xfrm>
-            <a:off x="2910254" y="2136530"/>
+            <a:off x="3068516" y="2866291"/>
             <a:ext cx="465992" cy="307731"/>
           </a:xfrm>
           <a:prstGeom prst="ellipse">
@@ -10196,7 +13380,7 @@
         </p:nvSpPr>
         <p:spPr>
           <a:xfrm>
-            <a:off x="1469868" y="4698023"/>
+            <a:off x="1628130" y="5427784"/>
             <a:ext cx="465992" cy="307731"/>
           </a:xfrm>
           <a:prstGeom prst="ellipse">
@@ -10242,7 +13426,7 @@
         </p:nvSpPr>
         <p:spPr>
           <a:xfrm>
-            <a:off x="2910254" y="4698023"/>
+            <a:off x="3068516" y="5427784"/>
             <a:ext cx="465992" cy="307731"/>
           </a:xfrm>
           <a:prstGeom prst="ellipse">
@@ -10274,6 +13458,518 @@
         <p:txBody>
           <a:bodyPr rtlCol="0" anchor="ctr"/>
           <a:lstStyle/>
+          <a:p>
+            <a:pPr algn="ctr"/>
+            <a:endParaRPr lang="zh-CN" altLang="en-US"/>
+          </a:p>
+        </p:txBody>
+      </p:sp>
+      <p:sp>
+        <p:nvSpPr>
+          <p:cNvPr id="11" name="椭圆 10"/>
+          <p:cNvSpPr/>
+          <p:nvPr/>
+        </p:nvSpPr>
+        <p:spPr>
+          <a:xfrm>
+            <a:off x="1628130" y="3488964"/>
+            <a:ext cx="465992" cy="307731"/>
+          </a:xfrm>
+          <a:prstGeom prst="ellipse">
+            <a:avLst/>
+          </a:prstGeom>
+          <a:noFill/>
+          <a:ln>
+            <a:solidFill>
+              <a:srgbClr val="FFFF00"/>
+            </a:solidFill>
+          </a:ln>
+        </p:spPr>
+        <p:style>
+          <a:lnRef idx="2">
+            <a:schemeClr val="accent1">
+              <a:shade val="50000"/>
+            </a:schemeClr>
+          </a:lnRef>
+          <a:fillRef idx="1">
+            <a:schemeClr val="accent1"/>
+          </a:fillRef>
+          <a:effectRef idx="0">
+            <a:schemeClr val="accent1"/>
+          </a:effectRef>
+          <a:fontRef idx="minor">
+            <a:schemeClr val="lt1"/>
+          </a:fontRef>
+        </p:style>
+        <p:txBody>
+          <a:bodyPr rtlCol="0" anchor="ctr"/>
+          <a:lstStyle/>
+          <a:p>
+            <a:pPr algn="ctr"/>
+            <a:endParaRPr lang="zh-CN" altLang="en-US"/>
+          </a:p>
+        </p:txBody>
+      </p:sp>
+      <p:sp>
+        <p:nvSpPr>
+          <p:cNvPr id="12" name="椭圆 11"/>
+          <p:cNvSpPr/>
+          <p:nvPr/>
+        </p:nvSpPr>
+        <p:spPr>
+          <a:xfrm>
+            <a:off x="3755781" y="3523843"/>
+            <a:ext cx="465992" cy="307731"/>
+          </a:xfrm>
+          <a:prstGeom prst="ellipse">
+            <a:avLst/>
+          </a:prstGeom>
+          <a:noFill/>
+          <a:ln>
+            <a:solidFill>
+              <a:srgbClr val="FFFF00"/>
+            </a:solidFill>
+          </a:ln>
+        </p:spPr>
+        <p:style>
+          <a:lnRef idx="2">
+            <a:schemeClr val="accent1">
+              <a:shade val="50000"/>
+            </a:schemeClr>
+          </a:lnRef>
+          <a:fillRef idx="1">
+            <a:schemeClr val="accent1"/>
+          </a:fillRef>
+          <a:effectRef idx="0">
+            <a:schemeClr val="accent1"/>
+          </a:effectRef>
+          <a:fontRef idx="minor">
+            <a:schemeClr val="lt1"/>
+          </a:fontRef>
+        </p:style>
+        <p:txBody>
+          <a:bodyPr rtlCol="0" anchor="ctr"/>
+          <a:lstStyle/>
+          <a:p>
+            <a:pPr algn="ctr"/>
+            <a:endParaRPr lang="zh-CN" altLang="en-US"/>
+          </a:p>
+        </p:txBody>
+      </p:sp>
+      <p:sp>
+        <p:nvSpPr>
+          <p:cNvPr id="13" name="椭圆 12"/>
+          <p:cNvSpPr/>
+          <p:nvPr/>
+        </p:nvSpPr>
+        <p:spPr>
+          <a:xfrm>
+            <a:off x="4435205" y="3523843"/>
+            <a:ext cx="465992" cy="307731"/>
+          </a:xfrm>
+          <a:prstGeom prst="ellipse">
+            <a:avLst/>
+          </a:prstGeom>
+          <a:noFill/>
+          <a:ln>
+            <a:solidFill>
+              <a:srgbClr val="FFFF00"/>
+            </a:solidFill>
+          </a:ln>
+        </p:spPr>
+        <p:style>
+          <a:lnRef idx="2">
+            <a:schemeClr val="accent1">
+              <a:shade val="50000"/>
+            </a:schemeClr>
+          </a:lnRef>
+          <a:fillRef idx="1">
+            <a:schemeClr val="accent1"/>
+          </a:fillRef>
+          <a:effectRef idx="0">
+            <a:schemeClr val="accent1"/>
+          </a:effectRef>
+          <a:fontRef idx="minor">
+            <a:schemeClr val="lt1"/>
+          </a:fontRef>
+        </p:style>
+        <p:txBody>
+          <a:bodyPr rtlCol="0" anchor="ctr"/>
+          <a:lstStyle>
+            <a:defPPr>
+              <a:defRPr lang="zh-CN"/>
+            </a:defPPr>
+            <a:lvl1pPr marL="0" algn="l" defTabSz="914400" rtl="0" eaLnBrk="1" latinLnBrk="0" hangingPunct="1">
+              <a:defRPr sz="1800" kern="1200">
+                <a:solidFill>
+                  <a:schemeClr val="lt1"/>
+                </a:solidFill>
+                <a:latin typeface="+mn-lt"/>
+                <a:ea typeface="+mn-ea"/>
+                <a:cs typeface="+mn-cs"/>
+              </a:defRPr>
+            </a:lvl1pPr>
+            <a:lvl2pPr marL="457200" algn="l" defTabSz="914400" rtl="0" eaLnBrk="1" latinLnBrk="0" hangingPunct="1">
+              <a:defRPr sz="1800" kern="1200">
+                <a:solidFill>
+                  <a:schemeClr val="lt1"/>
+                </a:solidFill>
+                <a:latin typeface="+mn-lt"/>
+                <a:ea typeface="+mn-ea"/>
+                <a:cs typeface="+mn-cs"/>
+              </a:defRPr>
+            </a:lvl2pPr>
+            <a:lvl3pPr marL="914400" algn="l" defTabSz="914400" rtl="0" eaLnBrk="1" latinLnBrk="0" hangingPunct="1">
+              <a:defRPr sz="1800" kern="1200">
+                <a:solidFill>
+                  <a:schemeClr val="lt1"/>
+                </a:solidFill>
+                <a:latin typeface="+mn-lt"/>
+                <a:ea typeface="+mn-ea"/>
+                <a:cs typeface="+mn-cs"/>
+              </a:defRPr>
+            </a:lvl3pPr>
+            <a:lvl4pPr marL="1371600" algn="l" defTabSz="914400" rtl="0" eaLnBrk="1" latinLnBrk="0" hangingPunct="1">
+              <a:defRPr sz="1800" kern="1200">
+                <a:solidFill>
+                  <a:schemeClr val="lt1"/>
+                </a:solidFill>
+                <a:latin typeface="+mn-lt"/>
+                <a:ea typeface="+mn-ea"/>
+                <a:cs typeface="+mn-cs"/>
+              </a:defRPr>
+            </a:lvl4pPr>
+            <a:lvl5pPr marL="1828800" algn="l" defTabSz="914400" rtl="0" eaLnBrk="1" latinLnBrk="0" hangingPunct="1">
+              <a:defRPr sz="1800" kern="1200">
+                <a:solidFill>
+                  <a:schemeClr val="lt1"/>
+                </a:solidFill>
+                <a:latin typeface="+mn-lt"/>
+                <a:ea typeface="+mn-ea"/>
+                <a:cs typeface="+mn-cs"/>
+              </a:defRPr>
+            </a:lvl5pPr>
+            <a:lvl6pPr marL="2286000" algn="l" defTabSz="914400" rtl="0" eaLnBrk="1" latinLnBrk="0" hangingPunct="1">
+              <a:defRPr sz="1800" kern="1200">
+                <a:solidFill>
+                  <a:schemeClr val="lt1"/>
+                </a:solidFill>
+                <a:latin typeface="+mn-lt"/>
+                <a:ea typeface="+mn-ea"/>
+                <a:cs typeface="+mn-cs"/>
+              </a:defRPr>
+            </a:lvl6pPr>
+            <a:lvl7pPr marL="2743200" algn="l" defTabSz="914400" rtl="0" eaLnBrk="1" latinLnBrk="0" hangingPunct="1">
+              <a:defRPr sz="1800" kern="1200">
+                <a:solidFill>
+                  <a:schemeClr val="lt1"/>
+                </a:solidFill>
+                <a:latin typeface="+mn-lt"/>
+                <a:ea typeface="+mn-ea"/>
+                <a:cs typeface="+mn-cs"/>
+              </a:defRPr>
+            </a:lvl7pPr>
+            <a:lvl8pPr marL="3200400" algn="l" defTabSz="914400" rtl="0" eaLnBrk="1" latinLnBrk="0" hangingPunct="1">
+              <a:defRPr sz="1800" kern="1200">
+                <a:solidFill>
+                  <a:schemeClr val="lt1"/>
+                </a:solidFill>
+                <a:latin typeface="+mn-lt"/>
+                <a:ea typeface="+mn-ea"/>
+                <a:cs typeface="+mn-cs"/>
+              </a:defRPr>
+            </a:lvl8pPr>
+            <a:lvl9pPr marL="3657600" algn="l" defTabSz="914400" rtl="0" eaLnBrk="1" latinLnBrk="0" hangingPunct="1">
+              <a:defRPr sz="1800" kern="1200">
+                <a:solidFill>
+                  <a:schemeClr val="lt1"/>
+                </a:solidFill>
+                <a:latin typeface="+mn-lt"/>
+                <a:ea typeface="+mn-ea"/>
+                <a:cs typeface="+mn-cs"/>
+              </a:defRPr>
+            </a:lvl9pPr>
+          </a:lstStyle>
+          <a:p>
+            <a:pPr algn="ctr"/>
+            <a:endParaRPr lang="zh-CN" altLang="en-US"/>
+          </a:p>
+        </p:txBody>
+      </p:sp>
+      <p:sp>
+        <p:nvSpPr>
+          <p:cNvPr id="14" name="椭圆 13"/>
+          <p:cNvSpPr/>
+          <p:nvPr/>
+        </p:nvSpPr>
+        <p:spPr>
+          <a:xfrm>
+            <a:off x="2348323" y="5427784"/>
+            <a:ext cx="465992" cy="307731"/>
+          </a:xfrm>
+          <a:prstGeom prst="ellipse">
+            <a:avLst/>
+          </a:prstGeom>
+          <a:noFill/>
+          <a:ln>
+            <a:solidFill>
+              <a:srgbClr val="FFFF00"/>
+            </a:solidFill>
+          </a:ln>
+        </p:spPr>
+        <p:style>
+          <a:lnRef idx="2">
+            <a:schemeClr val="accent1">
+              <a:shade val="50000"/>
+            </a:schemeClr>
+          </a:lnRef>
+          <a:fillRef idx="1">
+            <a:schemeClr val="accent1"/>
+          </a:fillRef>
+          <a:effectRef idx="0">
+            <a:schemeClr val="accent1"/>
+          </a:effectRef>
+          <a:fontRef idx="minor">
+            <a:schemeClr val="lt1"/>
+          </a:fontRef>
+        </p:style>
+        <p:txBody>
+          <a:bodyPr rtlCol="0" anchor="ctr"/>
+          <a:lstStyle>
+            <a:defPPr>
+              <a:defRPr lang="zh-CN"/>
+            </a:defPPr>
+            <a:lvl1pPr marL="0" algn="l" defTabSz="914400" rtl="0" eaLnBrk="1" latinLnBrk="0" hangingPunct="1">
+              <a:defRPr sz="1800" kern="1200">
+                <a:solidFill>
+                  <a:schemeClr val="lt1"/>
+                </a:solidFill>
+                <a:latin typeface="+mn-lt"/>
+                <a:ea typeface="+mn-ea"/>
+                <a:cs typeface="+mn-cs"/>
+              </a:defRPr>
+            </a:lvl1pPr>
+            <a:lvl2pPr marL="457200" algn="l" defTabSz="914400" rtl="0" eaLnBrk="1" latinLnBrk="0" hangingPunct="1">
+              <a:defRPr sz="1800" kern="1200">
+                <a:solidFill>
+                  <a:schemeClr val="lt1"/>
+                </a:solidFill>
+                <a:latin typeface="+mn-lt"/>
+                <a:ea typeface="+mn-ea"/>
+                <a:cs typeface="+mn-cs"/>
+              </a:defRPr>
+            </a:lvl2pPr>
+            <a:lvl3pPr marL="914400" algn="l" defTabSz="914400" rtl="0" eaLnBrk="1" latinLnBrk="0" hangingPunct="1">
+              <a:defRPr sz="1800" kern="1200">
+                <a:solidFill>
+                  <a:schemeClr val="lt1"/>
+                </a:solidFill>
+                <a:latin typeface="+mn-lt"/>
+                <a:ea typeface="+mn-ea"/>
+                <a:cs typeface="+mn-cs"/>
+              </a:defRPr>
+            </a:lvl3pPr>
+            <a:lvl4pPr marL="1371600" algn="l" defTabSz="914400" rtl="0" eaLnBrk="1" latinLnBrk="0" hangingPunct="1">
+              <a:defRPr sz="1800" kern="1200">
+                <a:solidFill>
+                  <a:schemeClr val="lt1"/>
+                </a:solidFill>
+                <a:latin typeface="+mn-lt"/>
+                <a:ea typeface="+mn-ea"/>
+                <a:cs typeface="+mn-cs"/>
+              </a:defRPr>
+            </a:lvl4pPr>
+            <a:lvl5pPr marL="1828800" algn="l" defTabSz="914400" rtl="0" eaLnBrk="1" latinLnBrk="0" hangingPunct="1">
+              <a:defRPr sz="1800" kern="1200">
+                <a:solidFill>
+                  <a:schemeClr val="lt1"/>
+                </a:solidFill>
+                <a:latin typeface="+mn-lt"/>
+                <a:ea typeface="+mn-ea"/>
+                <a:cs typeface="+mn-cs"/>
+              </a:defRPr>
+            </a:lvl5pPr>
+            <a:lvl6pPr marL="2286000" algn="l" defTabSz="914400" rtl="0" eaLnBrk="1" latinLnBrk="0" hangingPunct="1">
+              <a:defRPr sz="1800" kern="1200">
+                <a:solidFill>
+                  <a:schemeClr val="lt1"/>
+                </a:solidFill>
+                <a:latin typeface="+mn-lt"/>
+                <a:ea typeface="+mn-ea"/>
+                <a:cs typeface="+mn-cs"/>
+              </a:defRPr>
+            </a:lvl6pPr>
+            <a:lvl7pPr marL="2743200" algn="l" defTabSz="914400" rtl="0" eaLnBrk="1" latinLnBrk="0" hangingPunct="1">
+              <a:defRPr sz="1800" kern="1200">
+                <a:solidFill>
+                  <a:schemeClr val="lt1"/>
+                </a:solidFill>
+                <a:latin typeface="+mn-lt"/>
+                <a:ea typeface="+mn-ea"/>
+                <a:cs typeface="+mn-cs"/>
+              </a:defRPr>
+            </a:lvl7pPr>
+            <a:lvl8pPr marL="3200400" algn="l" defTabSz="914400" rtl="0" eaLnBrk="1" latinLnBrk="0" hangingPunct="1">
+              <a:defRPr sz="1800" kern="1200">
+                <a:solidFill>
+                  <a:schemeClr val="lt1"/>
+                </a:solidFill>
+                <a:latin typeface="+mn-lt"/>
+                <a:ea typeface="+mn-ea"/>
+                <a:cs typeface="+mn-cs"/>
+              </a:defRPr>
+            </a:lvl8pPr>
+            <a:lvl9pPr marL="3657600" algn="l" defTabSz="914400" rtl="0" eaLnBrk="1" latinLnBrk="0" hangingPunct="1">
+              <a:defRPr sz="1800" kern="1200">
+                <a:solidFill>
+                  <a:schemeClr val="lt1"/>
+                </a:solidFill>
+                <a:latin typeface="+mn-lt"/>
+                <a:ea typeface="+mn-ea"/>
+                <a:cs typeface="+mn-cs"/>
+              </a:defRPr>
+            </a:lvl9pPr>
+          </a:lstStyle>
+          <a:p>
+            <a:pPr algn="ctr"/>
+            <a:endParaRPr lang="zh-CN" altLang="en-US"/>
+          </a:p>
+        </p:txBody>
+      </p:sp>
+      <p:sp>
+        <p:nvSpPr>
+          <p:cNvPr id="15" name="椭圆 14"/>
+          <p:cNvSpPr/>
+          <p:nvPr/>
+        </p:nvSpPr>
+        <p:spPr>
+          <a:xfrm>
+            <a:off x="3068516" y="4778618"/>
+            <a:ext cx="465992" cy="307731"/>
+          </a:xfrm>
+          <a:prstGeom prst="ellipse">
+            <a:avLst/>
+          </a:prstGeom>
+          <a:noFill/>
+          <a:ln>
+            <a:solidFill>
+              <a:srgbClr val="FFFF00"/>
+            </a:solidFill>
+          </a:ln>
+        </p:spPr>
+        <p:style>
+          <a:lnRef idx="2">
+            <a:schemeClr val="accent1">
+              <a:shade val="50000"/>
+            </a:schemeClr>
+          </a:lnRef>
+          <a:fillRef idx="1">
+            <a:schemeClr val="accent1"/>
+          </a:fillRef>
+          <a:effectRef idx="0">
+            <a:schemeClr val="accent1"/>
+          </a:effectRef>
+          <a:fontRef idx="minor">
+            <a:schemeClr val="lt1"/>
+          </a:fontRef>
+        </p:style>
+        <p:txBody>
+          <a:bodyPr rtlCol="0" anchor="ctr"/>
+          <a:lstStyle>
+            <a:defPPr>
+              <a:defRPr lang="zh-CN"/>
+            </a:defPPr>
+            <a:lvl1pPr marL="0" algn="l" defTabSz="914400" rtl="0" eaLnBrk="1" latinLnBrk="0" hangingPunct="1">
+              <a:defRPr sz="1800" kern="1200">
+                <a:solidFill>
+                  <a:schemeClr val="lt1"/>
+                </a:solidFill>
+                <a:latin typeface="+mn-lt"/>
+                <a:ea typeface="+mn-ea"/>
+                <a:cs typeface="+mn-cs"/>
+              </a:defRPr>
+            </a:lvl1pPr>
+            <a:lvl2pPr marL="457200" algn="l" defTabSz="914400" rtl="0" eaLnBrk="1" latinLnBrk="0" hangingPunct="1">
+              <a:defRPr sz="1800" kern="1200">
+                <a:solidFill>
+                  <a:schemeClr val="lt1"/>
+                </a:solidFill>
+                <a:latin typeface="+mn-lt"/>
+                <a:ea typeface="+mn-ea"/>
+                <a:cs typeface="+mn-cs"/>
+              </a:defRPr>
+            </a:lvl2pPr>
+            <a:lvl3pPr marL="914400" algn="l" defTabSz="914400" rtl="0" eaLnBrk="1" latinLnBrk="0" hangingPunct="1">
+              <a:defRPr sz="1800" kern="1200">
+                <a:solidFill>
+                  <a:schemeClr val="lt1"/>
+                </a:solidFill>
+                <a:latin typeface="+mn-lt"/>
+                <a:ea typeface="+mn-ea"/>
+                <a:cs typeface="+mn-cs"/>
+              </a:defRPr>
+            </a:lvl3pPr>
+            <a:lvl4pPr marL="1371600" algn="l" defTabSz="914400" rtl="0" eaLnBrk="1" latinLnBrk="0" hangingPunct="1">
+              <a:defRPr sz="1800" kern="1200">
+                <a:solidFill>
+                  <a:schemeClr val="lt1"/>
+                </a:solidFill>
+                <a:latin typeface="+mn-lt"/>
+                <a:ea typeface="+mn-ea"/>
+                <a:cs typeface="+mn-cs"/>
+              </a:defRPr>
+            </a:lvl4pPr>
+            <a:lvl5pPr marL="1828800" algn="l" defTabSz="914400" rtl="0" eaLnBrk="1" latinLnBrk="0" hangingPunct="1">
+              <a:defRPr sz="1800" kern="1200">
+                <a:solidFill>
+                  <a:schemeClr val="lt1"/>
+                </a:solidFill>
+                <a:latin typeface="+mn-lt"/>
+                <a:ea typeface="+mn-ea"/>
+                <a:cs typeface="+mn-cs"/>
+              </a:defRPr>
+            </a:lvl5pPr>
+            <a:lvl6pPr marL="2286000" algn="l" defTabSz="914400" rtl="0" eaLnBrk="1" latinLnBrk="0" hangingPunct="1">
+              <a:defRPr sz="1800" kern="1200">
+                <a:solidFill>
+                  <a:schemeClr val="lt1"/>
+                </a:solidFill>
+                <a:latin typeface="+mn-lt"/>
+                <a:ea typeface="+mn-ea"/>
+                <a:cs typeface="+mn-cs"/>
+              </a:defRPr>
+            </a:lvl6pPr>
+            <a:lvl7pPr marL="2743200" algn="l" defTabSz="914400" rtl="0" eaLnBrk="1" latinLnBrk="0" hangingPunct="1">
+              <a:defRPr sz="1800" kern="1200">
+                <a:solidFill>
+                  <a:schemeClr val="lt1"/>
+                </a:solidFill>
+                <a:latin typeface="+mn-lt"/>
+                <a:ea typeface="+mn-ea"/>
+                <a:cs typeface="+mn-cs"/>
+              </a:defRPr>
+            </a:lvl7pPr>
+            <a:lvl8pPr marL="3200400" algn="l" defTabSz="914400" rtl="0" eaLnBrk="1" latinLnBrk="0" hangingPunct="1">
+              <a:defRPr sz="1800" kern="1200">
+                <a:solidFill>
+                  <a:schemeClr val="lt1"/>
+                </a:solidFill>
+                <a:latin typeface="+mn-lt"/>
+                <a:ea typeface="+mn-ea"/>
+                <a:cs typeface="+mn-cs"/>
+              </a:defRPr>
+            </a:lvl8pPr>
+            <a:lvl9pPr marL="3657600" algn="l" defTabSz="914400" rtl="0" eaLnBrk="1" latinLnBrk="0" hangingPunct="1">
+              <a:defRPr sz="1800" kern="1200">
+                <a:solidFill>
+                  <a:schemeClr val="lt1"/>
+                </a:solidFill>
+                <a:latin typeface="+mn-lt"/>
+                <a:ea typeface="+mn-ea"/>
+                <a:cs typeface="+mn-cs"/>
+              </a:defRPr>
+            </a:lvl9pPr>
+          </a:lstStyle>
           <a:p>
             <a:pPr algn="ctr"/>
             <a:endParaRPr lang="zh-CN" altLang="en-US"/>
@@ -10739,7 +14435,7 @@
         <p:spPr>
           <a:xfrm>
             <a:off x="609600" y="307703"/>
-            <a:ext cx="2372765" cy="584775"/>
+            <a:ext cx="4025461" cy="584775"/>
           </a:xfrm>
           <a:prstGeom prst="rect">
             <a:avLst/>
@@ -10755,7 +14451,7 @@
               <a:rPr lang="en-US" altLang="zh-CN" sz="3200" dirty="0" smtClean="0">
                 <a:latin typeface="+mj-ea"/>
               </a:rPr>
-              <a:t>Classification</a:t>
+              <a:t>Classification(in paper)</a:t>
             </a:r>
             <a:endParaRPr lang="zh-CN" altLang="en-US" sz="3200" dirty="0"/>
           </a:p>
@@ -10778,54 +14474,6 @@
           <a:xfrm>
             <a:off x="1206968" y="1292588"/>
             <a:ext cx="3550794" cy="2795019"/>
-          </a:xfrm>
-          <a:prstGeom prst="rect">
-            <a:avLst/>
-          </a:prstGeom>
-        </p:spPr>
-      </p:pic>
-      <p:graphicFrame>
-        <p:nvGraphicFramePr>
-          <p:cNvPr id="7" name="图表 6"/>
-          <p:cNvGraphicFramePr>
-            <a:graphicFrameLocks/>
-          </p:cNvGraphicFramePr>
-          <p:nvPr>
-            <p:extLst>
-              <p:ext uri="{D42A27DB-BD31-4B8C-83A1-F6EECF244321}">
-                <p14:modId xmlns:p14="http://schemas.microsoft.com/office/powerpoint/2010/main" val="2428129921"/>
-              </p:ext>
-            </p:extLst>
-          </p:nvPr>
-        </p:nvGraphicFramePr>
-        <p:xfrm>
-          <a:off x="960134" y="4237891"/>
-          <a:ext cx="4572000" cy="2690325"/>
-        </p:xfrm>
-        <a:graphic>
-          <a:graphicData uri="http://schemas.openxmlformats.org/drawingml/2006/chart">
-            <c:chart xmlns:c="http://schemas.openxmlformats.org/drawingml/2006/chart" xmlns:r="http://schemas.openxmlformats.org/officeDocument/2006/relationships" r:id="rId3"/>
-          </a:graphicData>
-        </a:graphic>
-      </p:graphicFrame>
-      <p:pic>
-        <p:nvPicPr>
-          <p:cNvPr id="9" name="图片 8"/>
-          <p:cNvPicPr>
-            <a:picLocks noChangeAspect="1"/>
-          </p:cNvPicPr>
-          <p:nvPr/>
-        </p:nvPicPr>
-        <p:blipFill>
-          <a:blip r:embed="rId4"/>
-          <a:stretch>
-            <a:fillRect/>
-          </a:stretch>
-        </p:blipFill>
-        <p:spPr>
-          <a:xfrm>
-            <a:off x="6052037" y="1558479"/>
-            <a:ext cx="4732912" cy="2404728"/>
           </a:xfrm>
           <a:prstGeom prst="rect">
             <a:avLst/>
@@ -10900,6 +14548,54 @@
           </a:p>
         </p:txBody>
       </p:sp>
+      <p:graphicFrame>
+        <p:nvGraphicFramePr>
+          <p:cNvPr id="8" name="图表 7"/>
+          <p:cNvGraphicFramePr>
+            <a:graphicFrameLocks/>
+          </p:cNvGraphicFramePr>
+          <p:nvPr>
+            <p:extLst>
+              <p:ext uri="{D42A27DB-BD31-4B8C-83A1-F6EECF244321}">
+                <p14:modId xmlns:p14="http://schemas.microsoft.com/office/powerpoint/2010/main" val="3751853557"/>
+              </p:ext>
+            </p:extLst>
+          </p:nvPr>
+        </p:nvGraphicFramePr>
+        <p:xfrm>
+          <a:off x="1040422" y="4105192"/>
+          <a:ext cx="4572000" cy="2743200"/>
+        </p:xfrm>
+        <a:graphic>
+          <a:graphicData uri="http://schemas.openxmlformats.org/drawingml/2006/chart">
+            <c:chart xmlns:c="http://schemas.openxmlformats.org/drawingml/2006/chart" xmlns:r="http://schemas.openxmlformats.org/officeDocument/2006/relationships" r:id="rId3"/>
+          </a:graphicData>
+        </a:graphic>
+      </p:graphicFrame>
+      <p:graphicFrame>
+        <p:nvGraphicFramePr>
+          <p:cNvPr id="12" name="图表 11"/>
+          <p:cNvGraphicFramePr>
+            <a:graphicFrameLocks/>
+          </p:cNvGraphicFramePr>
+          <p:nvPr>
+            <p:extLst>
+              <p:ext uri="{D42A27DB-BD31-4B8C-83A1-F6EECF244321}">
+                <p14:modId xmlns:p14="http://schemas.microsoft.com/office/powerpoint/2010/main" val="219546039"/>
+              </p:ext>
+            </p:extLst>
+          </p:nvPr>
+        </p:nvGraphicFramePr>
+        <p:xfrm>
+          <a:off x="5951833" y="1292588"/>
+          <a:ext cx="4572000" cy="2743200"/>
+        </p:xfrm>
+        <a:graphic>
+          <a:graphicData uri="http://schemas.openxmlformats.org/drawingml/2006/chart">
+            <c:chart xmlns:c="http://schemas.openxmlformats.org/drawingml/2006/chart" xmlns:r="http://schemas.openxmlformats.org/officeDocument/2006/relationships" r:id="rId4"/>
+          </a:graphicData>
+        </a:graphic>
+      </p:graphicFrame>
     </p:spTree>
     <p:extLst>
       <p:ext uri="{BB962C8B-B14F-4D97-AF65-F5344CB8AC3E}">
@@ -10998,8 +14694,9 @@
                 </a:pPr>
                 <a:r>
                   <a:rPr lang="en-US" altLang="zh-CN" sz="2000" dirty="0" smtClean="0"/>
-                  <a:t>Question:</a:t>
+                  <a:t>Question definition:</a:t>
                 </a:r>
+                <a:endParaRPr lang="en-US" altLang="zh-CN" sz="2000" dirty="0" smtClean="0"/>
               </a:p>
               <a:p>
                 <a:pPr marL="742950" lvl="1" indent="-285750">
@@ -11175,7 +14872,7 @@
         <p:spPr>
           <a:xfrm>
             <a:off x="609599" y="2977297"/>
-            <a:ext cx="6907823" cy="1600438"/>
+            <a:ext cx="11101755" cy="1908215"/>
           </a:xfrm>
           <a:prstGeom prst="rect">
             <a:avLst/>
@@ -11194,8 +14891,37 @@
             </a:pPr>
             <a:r>
               <a:rPr lang="en-US" altLang="zh-CN" sz="2000" dirty="0" smtClean="0"/>
-              <a:t>Method: Transfer Kernel Learning</a:t>
+              <a:t>Method: Transfer Kernel </a:t>
             </a:r>
+            <a:r>
+              <a:rPr lang="en-US" altLang="zh-CN" sz="2000" dirty="0" smtClean="0"/>
+              <a:t>Learning</a:t>
+            </a:r>
+          </a:p>
+          <a:p>
+            <a:r>
+              <a:rPr lang="en-US" altLang="zh-CN" sz="1200" dirty="0"/>
+              <a:t> </a:t>
+            </a:r>
+            <a:r>
+              <a:rPr lang="en-US" altLang="zh-CN" sz="1200" dirty="0" smtClean="0"/>
+              <a:t>        </a:t>
+            </a:r>
+            <a:r>
+              <a:rPr lang="en-US" altLang="zh-CN" sz="1400" dirty="0" smtClean="0"/>
+              <a:t>Long </a:t>
+            </a:r>
+            <a:r>
+              <a:rPr lang="en-US" altLang="zh-CN" sz="1400" dirty="0"/>
+              <a:t>M, Wang J, Sun J, et al. Domain invariant transfer kernel learning[J]. IEEE Transactions on Knowledge and Data Engineering, 2014, 27(6): 1519-1532</a:t>
+            </a:r>
+            <a:r>
+              <a:rPr lang="en-US" altLang="zh-CN" sz="1400" dirty="0" smtClean="0"/>
+              <a:t>.</a:t>
+            </a:r>
+          </a:p>
+          <a:p>
+            <a:endParaRPr lang="en-US" altLang="zh-CN" sz="1200" dirty="0" smtClean="0"/>
           </a:p>
           <a:p>
             <a:pPr marL="742950" lvl="1" indent="-285750">
@@ -11204,7 +14930,11 @@
             </a:pPr>
             <a:r>
               <a:rPr lang="en-US" altLang="zh-CN" sz="2000" dirty="0" smtClean="0"/>
-              <a:t>Learn a domain-invariant kernel by directly matching source and target distributions in RKHS.</a:t>
+              <a:t>Learn </a:t>
+            </a:r>
+            <a:r>
+              <a:rPr lang="en-US" altLang="zh-CN" sz="2000" dirty="0" smtClean="0"/>
+              <a:t>a domain-invariant kernel by directly matching source and target distributions in RKHS.</a:t>
             </a:r>
           </a:p>
           <a:p>
@@ -11582,6 +15312,44 @@
               <a:t>kernel machine learning methods. </a:t>
             </a:r>
             <a:endParaRPr lang="zh-CN" altLang="en-US" sz="2400" dirty="0"/>
+          </a:p>
+        </p:txBody>
+      </p:sp>
+      <p:sp>
+        <p:nvSpPr>
+          <p:cNvPr id="2" name="文本框 1"/>
+          <p:cNvSpPr txBox="1"/>
+          <p:nvPr/>
+        </p:nvSpPr>
+        <p:spPr>
+          <a:xfrm>
+            <a:off x="3253153" y="3156033"/>
+            <a:ext cx="3226778" cy="369332"/>
+          </a:xfrm>
+          <a:prstGeom prst="rect">
+            <a:avLst/>
+          </a:prstGeom>
+          <a:noFill/>
+        </p:spPr>
+        <p:txBody>
+          <a:bodyPr wrap="square" rtlCol="0">
+            <a:spAutoFit/>
+          </a:bodyPr>
+          <a:lstStyle/>
+          <a:p>
+            <a:r>
+              <a:rPr lang="en-US" altLang="zh-CN" dirty="0" smtClean="0"/>
+              <a:t>(</a:t>
+            </a:r>
+            <a:r>
+              <a:rPr lang="en-US" altLang="zh-CN" dirty="0" err="1" smtClean="0"/>
+              <a:t>Nyström</a:t>
+            </a:r>
+            <a:r>
+              <a:rPr lang="en-US" altLang="zh-CN" dirty="0" smtClean="0"/>
+              <a:t> low rank estimation)</a:t>
+            </a:r>
+            <a:endParaRPr lang="zh-CN" altLang="en-US" dirty="0"/>
           </a:p>
         </p:txBody>
       </p:sp>
